--- a/Python_vs_Go_Concurrency_Slides_AutoGenerated.pptx
+++ b/Python_vs_Go_Concurrency_Slides_AutoGenerated.pptx
@@ -5,22 +5,22 @@
     <p:sldMasterId id="2147483648" r:id="rId1"/>
   </p:sldMasterIdLst>
   <p:sldIdLst>
-    <p:sldId id="256" r:id="rId7"/>
-    <p:sldId id="257" r:id="rId8"/>
-    <p:sldId id="258" r:id="rId9"/>
-    <p:sldId id="259" r:id="rId10"/>
-    <p:sldId id="260" r:id="rId11"/>
-    <p:sldId id="261" r:id="rId12"/>
-    <p:sldId id="262" r:id="rId13"/>
-    <p:sldId id="263" r:id="rId14"/>
-    <p:sldId id="264" r:id="rId15"/>
-    <p:sldId id="265" r:id="rId16"/>
-    <p:sldId id="266" r:id="rId17"/>
-    <p:sldId id="267" r:id="rId18"/>
-    <p:sldId id="268" r:id="rId19"/>
-    <p:sldId id="269" r:id="rId20"/>
-    <p:sldId id="270" r:id="rId21"/>
-    <p:sldId id="271" r:id="rId22"/>
+    <p:sldId id="256" r:id="rId2"/>
+    <p:sldId id="257" r:id="rId3"/>
+    <p:sldId id="258" r:id="rId4"/>
+    <p:sldId id="259" r:id="rId5"/>
+    <p:sldId id="260" r:id="rId6"/>
+    <p:sldId id="261" r:id="rId7"/>
+    <p:sldId id="262" r:id="rId8"/>
+    <p:sldId id="263" r:id="rId9"/>
+    <p:sldId id="264" r:id="rId10"/>
+    <p:sldId id="265" r:id="rId11"/>
+    <p:sldId id="266" r:id="rId12"/>
+    <p:sldId id="267" r:id="rId13"/>
+    <p:sldId id="268" r:id="rId14"/>
+    <p:sldId id="269" r:id="rId15"/>
+    <p:sldId id="270" r:id="rId16"/>
+    <p:sldId id="271" r:id="rId17"/>
   </p:sldIdLst>
   <p:sldSz cx="9144000" cy="6858000" type="screen4x3"/>
   <p:notesSz cx="6858000" cy="9144000"/>
@@ -119,6 +119,22 @@
       </a:defRPr>
     </a:lvl9pPr>
   </p:defaultTextStyle>
+  <p:extLst>
+    <p:ext uri="{EFAFB233-063F-42B5-8137-9DF3F51BA10A}">
+      <p15:sldGuideLst xmlns:p15="http://schemas.microsoft.com/office/powerpoint/2012/main">
+        <p15:guide id="1" orient="horz" pos="2160">
+          <p15:clr>
+            <a:srgbClr val="A4A3A4"/>
+          </p15:clr>
+        </p15:guide>
+        <p15:guide id="2" pos="2880">
+          <p15:clr>
+            <a:srgbClr val="A4A3A4"/>
+          </p15:clr>
+        </p15:guide>
+      </p15:sldGuideLst>
+    </p:ext>
+  </p:extLst>
 </p:presentation>
 </file>
 
@@ -160,10 +176,9 @@
           <a:lstStyle/>
           <a:p>
             <a:r>
-              <a:rPr lang="en-US" smtClean="0"/>
+              <a:rPr lang="en-US"/>
               <a:t>Click to edit Master title style</a:t>
             </a:r>
-            <a:endParaRPr lang="en-US"/>
           </a:p>
         </p:txBody>
       </p:sp>
@@ -279,10 +294,9 @@
           </a:lstStyle>
           <a:p>
             <a:r>
-              <a:rPr lang="en-US" smtClean="0"/>
+              <a:rPr lang="en-US"/>
               <a:t>Click to edit Master subtitle style</a:t>
             </a:r>
-            <a:endParaRPr lang="en-US"/>
           </a:p>
         </p:txBody>
       </p:sp>
@@ -303,7 +317,7 @@
           <a:p>
             <a:fld id="{5BCAD085-E8A6-8845-BD4E-CB4CCA059FC4}" type="datetimeFigureOut">
               <a:rPr lang="en-US" smtClean="0"/>
-              <a:t>1/27/13</a:t>
+              <a:t>4/29/25</a:t>
             </a:fld>
             <a:endParaRPr lang="en-US"/>
           </a:p>
@@ -397,10 +411,9 @@
           <a:lstStyle/>
           <a:p>
             <a:r>
-              <a:rPr lang="en-US" smtClean="0"/>
+              <a:rPr lang="en-US"/>
               <a:t>Click to edit Master title style</a:t>
             </a:r>
-            <a:endParaRPr lang="en-US"/>
           </a:p>
         </p:txBody>
       </p:sp>
@@ -421,38 +434,37 @@
           <a:p>
             <a:pPr lvl="0"/>
             <a:r>
-              <a:rPr lang="en-US" smtClean="0"/>
+              <a:rPr lang="en-US"/>
               <a:t>Click to edit Master text styles</a:t>
             </a:r>
           </a:p>
           <a:p>
             <a:pPr lvl="1"/>
             <a:r>
-              <a:rPr lang="en-US" smtClean="0"/>
+              <a:rPr lang="en-US"/>
               <a:t>Second level</a:t>
             </a:r>
           </a:p>
           <a:p>
             <a:pPr lvl="2"/>
             <a:r>
-              <a:rPr lang="en-US" smtClean="0"/>
+              <a:rPr lang="en-US"/>
               <a:t>Third level</a:t>
             </a:r>
           </a:p>
           <a:p>
             <a:pPr lvl="3"/>
             <a:r>
-              <a:rPr lang="en-US" smtClean="0"/>
+              <a:rPr lang="en-US"/>
               <a:t>Fourth level</a:t>
             </a:r>
           </a:p>
           <a:p>
             <a:pPr lvl="4"/>
             <a:r>
-              <a:rPr lang="en-US" smtClean="0"/>
+              <a:rPr lang="en-US"/>
               <a:t>Fifth level</a:t>
             </a:r>
-            <a:endParaRPr lang="en-US"/>
           </a:p>
         </p:txBody>
       </p:sp>
@@ -473,7 +485,7 @@
           <a:p>
             <a:fld id="{5BCAD085-E8A6-8845-BD4E-CB4CCA059FC4}" type="datetimeFigureOut">
               <a:rPr lang="en-US" smtClean="0"/>
-              <a:t>1/27/13</a:t>
+              <a:t>4/29/25</a:t>
             </a:fld>
             <a:endParaRPr lang="en-US"/>
           </a:p>
@@ -572,10 +584,9 @@
           <a:lstStyle/>
           <a:p>
             <a:r>
-              <a:rPr lang="en-US" smtClean="0"/>
+              <a:rPr lang="en-US"/>
               <a:t>Click to edit Master title style</a:t>
             </a:r>
-            <a:endParaRPr lang="en-US"/>
           </a:p>
         </p:txBody>
       </p:sp>
@@ -601,38 +612,37 @@
           <a:p>
             <a:pPr lvl="0"/>
             <a:r>
-              <a:rPr lang="en-US" smtClean="0"/>
+              <a:rPr lang="en-US"/>
               <a:t>Click to edit Master text styles</a:t>
             </a:r>
           </a:p>
           <a:p>
             <a:pPr lvl="1"/>
             <a:r>
-              <a:rPr lang="en-US" smtClean="0"/>
+              <a:rPr lang="en-US"/>
               <a:t>Second level</a:t>
             </a:r>
           </a:p>
           <a:p>
             <a:pPr lvl="2"/>
             <a:r>
-              <a:rPr lang="en-US" smtClean="0"/>
+              <a:rPr lang="en-US"/>
               <a:t>Third level</a:t>
             </a:r>
           </a:p>
           <a:p>
             <a:pPr lvl="3"/>
             <a:r>
-              <a:rPr lang="en-US" smtClean="0"/>
+              <a:rPr lang="en-US"/>
               <a:t>Fourth level</a:t>
             </a:r>
           </a:p>
           <a:p>
             <a:pPr lvl="4"/>
             <a:r>
-              <a:rPr lang="en-US" smtClean="0"/>
+              <a:rPr lang="en-US"/>
               <a:t>Fifth level</a:t>
             </a:r>
-            <a:endParaRPr lang="en-US"/>
           </a:p>
         </p:txBody>
       </p:sp>
@@ -653,7 +663,7 @@
           <a:p>
             <a:fld id="{5BCAD085-E8A6-8845-BD4E-CB4CCA059FC4}" type="datetimeFigureOut">
               <a:rPr lang="en-US" smtClean="0"/>
-              <a:t>1/27/13</a:t>
+              <a:t>4/29/25</a:t>
             </a:fld>
             <a:endParaRPr lang="en-US"/>
           </a:p>
@@ -747,10 +757,9 @@
           <a:lstStyle/>
           <a:p>
             <a:r>
-              <a:rPr lang="en-US" smtClean="0"/>
+              <a:rPr lang="en-US"/>
               <a:t>Click to edit Master title style</a:t>
             </a:r>
-            <a:endParaRPr lang="en-US"/>
           </a:p>
         </p:txBody>
       </p:sp>
@@ -771,38 +780,37 @@
           <a:p>
             <a:pPr lvl="0"/>
             <a:r>
-              <a:rPr lang="en-US" smtClean="0"/>
+              <a:rPr lang="en-US"/>
               <a:t>Click to edit Master text styles</a:t>
             </a:r>
           </a:p>
           <a:p>
             <a:pPr lvl="1"/>
             <a:r>
-              <a:rPr lang="en-US" smtClean="0"/>
+              <a:rPr lang="en-US"/>
               <a:t>Second level</a:t>
             </a:r>
           </a:p>
           <a:p>
             <a:pPr lvl="2"/>
             <a:r>
-              <a:rPr lang="en-US" smtClean="0"/>
+              <a:rPr lang="en-US"/>
               <a:t>Third level</a:t>
             </a:r>
           </a:p>
           <a:p>
             <a:pPr lvl="3"/>
             <a:r>
-              <a:rPr lang="en-US" smtClean="0"/>
+              <a:rPr lang="en-US"/>
               <a:t>Fourth level</a:t>
             </a:r>
           </a:p>
           <a:p>
             <a:pPr lvl="4"/>
             <a:r>
-              <a:rPr lang="en-US" smtClean="0"/>
+              <a:rPr lang="en-US"/>
               <a:t>Fifth level</a:t>
             </a:r>
-            <a:endParaRPr lang="en-US"/>
           </a:p>
         </p:txBody>
       </p:sp>
@@ -823,7 +831,7 @@
           <a:p>
             <a:fld id="{5BCAD085-E8A6-8845-BD4E-CB4CCA059FC4}" type="datetimeFigureOut">
               <a:rPr lang="en-US" smtClean="0"/>
-              <a:t>1/27/13</a:t>
+              <a:t>4/29/25</a:t>
             </a:fld>
             <a:endParaRPr lang="en-US"/>
           </a:p>
@@ -926,10 +934,9 @@
           </a:lstStyle>
           <a:p>
             <a:r>
-              <a:rPr lang="en-US" smtClean="0"/>
+              <a:rPr lang="en-US"/>
               <a:t>Click to edit Master title style</a:t>
             </a:r>
-            <a:endParaRPr lang="en-US"/>
           </a:p>
         </p:txBody>
       </p:sp>
@@ -1046,7 +1053,7 @@
           <a:p>
             <a:pPr lvl="0"/>
             <a:r>
-              <a:rPr lang="en-US" smtClean="0"/>
+              <a:rPr lang="en-US"/>
               <a:t>Click to edit Master text styles</a:t>
             </a:r>
           </a:p>
@@ -1069,7 +1076,7 @@
           <a:p>
             <a:fld id="{5BCAD085-E8A6-8845-BD4E-CB4CCA059FC4}" type="datetimeFigureOut">
               <a:rPr lang="en-US" smtClean="0"/>
-              <a:t>1/27/13</a:t>
+              <a:t>4/29/25</a:t>
             </a:fld>
             <a:endParaRPr lang="en-US"/>
           </a:p>
@@ -1163,10 +1170,9 @@
           <a:lstStyle/>
           <a:p>
             <a:r>
-              <a:rPr lang="en-US" smtClean="0"/>
+              <a:rPr lang="en-US"/>
               <a:t>Click to edit Master title style</a:t>
             </a:r>
-            <a:endParaRPr lang="en-US"/>
           </a:p>
         </p:txBody>
       </p:sp>
@@ -1220,38 +1226,37 @@
           <a:p>
             <a:pPr lvl="0"/>
             <a:r>
-              <a:rPr lang="en-US" smtClean="0"/>
+              <a:rPr lang="en-US"/>
               <a:t>Click to edit Master text styles</a:t>
             </a:r>
           </a:p>
           <a:p>
             <a:pPr lvl="1"/>
             <a:r>
-              <a:rPr lang="en-US" smtClean="0"/>
+              <a:rPr lang="en-US"/>
               <a:t>Second level</a:t>
             </a:r>
           </a:p>
           <a:p>
             <a:pPr lvl="2"/>
             <a:r>
-              <a:rPr lang="en-US" smtClean="0"/>
+              <a:rPr lang="en-US"/>
               <a:t>Third level</a:t>
             </a:r>
           </a:p>
           <a:p>
             <a:pPr lvl="3"/>
             <a:r>
-              <a:rPr lang="en-US" smtClean="0"/>
+              <a:rPr lang="en-US"/>
               <a:t>Fourth level</a:t>
             </a:r>
           </a:p>
           <a:p>
             <a:pPr lvl="4"/>
             <a:r>
-              <a:rPr lang="en-US" smtClean="0"/>
+              <a:rPr lang="en-US"/>
               <a:t>Fifth level</a:t>
             </a:r>
-            <a:endParaRPr lang="en-US"/>
           </a:p>
         </p:txBody>
       </p:sp>
@@ -1305,38 +1310,37 @@
           <a:p>
             <a:pPr lvl="0"/>
             <a:r>
-              <a:rPr lang="en-US" smtClean="0"/>
+              <a:rPr lang="en-US"/>
               <a:t>Click to edit Master text styles</a:t>
             </a:r>
           </a:p>
           <a:p>
             <a:pPr lvl="1"/>
             <a:r>
-              <a:rPr lang="en-US" smtClean="0"/>
+              <a:rPr lang="en-US"/>
               <a:t>Second level</a:t>
             </a:r>
           </a:p>
           <a:p>
             <a:pPr lvl="2"/>
             <a:r>
-              <a:rPr lang="en-US" smtClean="0"/>
+              <a:rPr lang="en-US"/>
               <a:t>Third level</a:t>
             </a:r>
           </a:p>
           <a:p>
             <a:pPr lvl="3"/>
             <a:r>
-              <a:rPr lang="en-US" smtClean="0"/>
+              <a:rPr lang="en-US"/>
               <a:t>Fourth level</a:t>
             </a:r>
           </a:p>
           <a:p>
             <a:pPr lvl="4"/>
             <a:r>
-              <a:rPr lang="en-US" smtClean="0"/>
+              <a:rPr lang="en-US"/>
               <a:t>Fifth level</a:t>
             </a:r>
-            <a:endParaRPr lang="en-US"/>
           </a:p>
         </p:txBody>
       </p:sp>
@@ -1357,7 +1361,7 @@
           <a:p>
             <a:fld id="{5BCAD085-E8A6-8845-BD4E-CB4CCA059FC4}" type="datetimeFigureOut">
               <a:rPr lang="en-US" smtClean="0"/>
-              <a:t>1/27/13</a:t>
+              <a:t>4/29/25</a:t>
             </a:fld>
             <a:endParaRPr lang="en-US"/>
           </a:p>
@@ -1455,10 +1459,9 @@
           </a:lstStyle>
           <a:p>
             <a:r>
-              <a:rPr lang="en-US" smtClean="0"/>
+              <a:rPr lang="en-US"/>
               <a:t>Click to edit Master title style</a:t>
             </a:r>
-            <a:endParaRPr lang="en-US"/>
           </a:p>
         </p:txBody>
       </p:sp>
@@ -1521,7 +1524,7 @@
           <a:p>
             <a:pPr lvl="0"/>
             <a:r>
-              <a:rPr lang="en-US" smtClean="0"/>
+              <a:rPr lang="en-US"/>
               <a:t>Click to edit Master text styles</a:t>
             </a:r>
           </a:p>
@@ -1577,38 +1580,37 @@
           <a:p>
             <a:pPr lvl="0"/>
             <a:r>
-              <a:rPr lang="en-US" smtClean="0"/>
+              <a:rPr lang="en-US"/>
               <a:t>Click to edit Master text styles</a:t>
             </a:r>
           </a:p>
           <a:p>
             <a:pPr lvl="1"/>
             <a:r>
-              <a:rPr lang="en-US" smtClean="0"/>
+              <a:rPr lang="en-US"/>
               <a:t>Second level</a:t>
             </a:r>
           </a:p>
           <a:p>
             <a:pPr lvl="2"/>
             <a:r>
-              <a:rPr lang="en-US" smtClean="0"/>
+              <a:rPr lang="en-US"/>
               <a:t>Third level</a:t>
             </a:r>
           </a:p>
           <a:p>
             <a:pPr lvl="3"/>
             <a:r>
-              <a:rPr lang="en-US" smtClean="0"/>
+              <a:rPr lang="en-US"/>
               <a:t>Fourth level</a:t>
             </a:r>
           </a:p>
           <a:p>
             <a:pPr lvl="4"/>
             <a:r>
-              <a:rPr lang="en-US" smtClean="0"/>
+              <a:rPr lang="en-US"/>
               <a:t>Fifth level</a:t>
             </a:r>
-            <a:endParaRPr lang="en-US"/>
           </a:p>
         </p:txBody>
       </p:sp>
@@ -1671,7 +1673,7 @@
           <a:p>
             <a:pPr lvl="0"/>
             <a:r>
-              <a:rPr lang="en-US" smtClean="0"/>
+              <a:rPr lang="en-US"/>
               <a:t>Click to edit Master text styles</a:t>
             </a:r>
           </a:p>
@@ -1727,38 +1729,37 @@
           <a:p>
             <a:pPr lvl="0"/>
             <a:r>
-              <a:rPr lang="en-US" smtClean="0"/>
+              <a:rPr lang="en-US"/>
               <a:t>Click to edit Master text styles</a:t>
             </a:r>
           </a:p>
           <a:p>
             <a:pPr lvl="1"/>
             <a:r>
-              <a:rPr lang="en-US" smtClean="0"/>
+              <a:rPr lang="en-US"/>
               <a:t>Second level</a:t>
             </a:r>
           </a:p>
           <a:p>
             <a:pPr lvl="2"/>
             <a:r>
-              <a:rPr lang="en-US" smtClean="0"/>
+              <a:rPr lang="en-US"/>
               <a:t>Third level</a:t>
             </a:r>
           </a:p>
           <a:p>
             <a:pPr lvl="3"/>
             <a:r>
-              <a:rPr lang="en-US" smtClean="0"/>
+              <a:rPr lang="en-US"/>
               <a:t>Fourth level</a:t>
             </a:r>
           </a:p>
           <a:p>
             <a:pPr lvl="4"/>
             <a:r>
-              <a:rPr lang="en-US" smtClean="0"/>
+              <a:rPr lang="en-US"/>
               <a:t>Fifth level</a:t>
             </a:r>
-            <a:endParaRPr lang="en-US"/>
           </a:p>
         </p:txBody>
       </p:sp>
@@ -1779,7 +1780,7 @@
           <a:p>
             <a:fld id="{5BCAD085-E8A6-8845-BD4E-CB4CCA059FC4}" type="datetimeFigureOut">
               <a:rPr lang="en-US" smtClean="0"/>
-              <a:t>1/27/13</a:t>
+              <a:t>4/29/25</a:t>
             </a:fld>
             <a:endParaRPr lang="en-US"/>
           </a:p>
@@ -1873,10 +1874,9 @@
           <a:lstStyle/>
           <a:p>
             <a:r>
-              <a:rPr lang="en-US" smtClean="0"/>
+              <a:rPr lang="en-US"/>
               <a:t>Click to edit Master title style</a:t>
             </a:r>
-            <a:endParaRPr lang="en-US"/>
           </a:p>
         </p:txBody>
       </p:sp>
@@ -1897,7 +1897,7 @@
           <a:p>
             <a:fld id="{5BCAD085-E8A6-8845-BD4E-CB4CCA059FC4}" type="datetimeFigureOut">
               <a:rPr lang="en-US" smtClean="0"/>
-              <a:t>1/27/13</a:t>
+              <a:t>4/29/25</a:t>
             </a:fld>
             <a:endParaRPr lang="en-US"/>
           </a:p>
@@ -1992,7 +1992,7 @@
           <a:p>
             <a:fld id="{5BCAD085-E8A6-8845-BD4E-CB4CCA059FC4}" type="datetimeFigureOut">
               <a:rPr lang="en-US" smtClean="0"/>
-              <a:t>1/27/13</a:t>
+              <a:t>4/29/25</a:t>
             </a:fld>
             <a:endParaRPr lang="en-US"/>
           </a:p>
@@ -2095,10 +2095,9 @@
           </a:lstStyle>
           <a:p>
             <a:r>
-              <a:rPr lang="en-US" smtClean="0"/>
+              <a:rPr lang="en-US"/>
               <a:t>Click to edit Master title style</a:t>
             </a:r>
-            <a:endParaRPr lang="en-US"/>
           </a:p>
         </p:txBody>
       </p:sp>
@@ -2152,38 +2151,37 @@
           <a:p>
             <a:pPr lvl="0"/>
             <a:r>
-              <a:rPr lang="en-US" smtClean="0"/>
+              <a:rPr lang="en-US"/>
               <a:t>Click to edit Master text styles</a:t>
             </a:r>
           </a:p>
           <a:p>
             <a:pPr lvl="1"/>
             <a:r>
-              <a:rPr lang="en-US" smtClean="0"/>
+              <a:rPr lang="en-US"/>
               <a:t>Second level</a:t>
             </a:r>
           </a:p>
           <a:p>
             <a:pPr lvl="2"/>
             <a:r>
-              <a:rPr lang="en-US" smtClean="0"/>
+              <a:rPr lang="en-US"/>
               <a:t>Third level</a:t>
             </a:r>
           </a:p>
           <a:p>
             <a:pPr lvl="3"/>
             <a:r>
-              <a:rPr lang="en-US" smtClean="0"/>
+              <a:rPr lang="en-US"/>
               <a:t>Fourth level</a:t>
             </a:r>
           </a:p>
           <a:p>
             <a:pPr lvl="4"/>
             <a:r>
-              <a:rPr lang="en-US" smtClean="0"/>
+              <a:rPr lang="en-US"/>
               <a:t>Fifth level</a:t>
             </a:r>
-            <a:endParaRPr lang="en-US"/>
           </a:p>
         </p:txBody>
       </p:sp>
@@ -2246,7 +2244,7 @@
           <a:p>
             <a:pPr lvl="0"/>
             <a:r>
-              <a:rPr lang="en-US" smtClean="0"/>
+              <a:rPr lang="en-US"/>
               <a:t>Click to edit Master text styles</a:t>
             </a:r>
           </a:p>
@@ -2269,7 +2267,7 @@
           <a:p>
             <a:fld id="{5BCAD085-E8A6-8845-BD4E-CB4CCA059FC4}" type="datetimeFigureOut">
               <a:rPr lang="en-US" smtClean="0"/>
-              <a:t>1/27/13</a:t>
+              <a:t>4/29/25</a:t>
             </a:fld>
             <a:endParaRPr lang="en-US"/>
           </a:p>
@@ -2372,10 +2370,9 @@
           </a:lstStyle>
           <a:p>
             <a:r>
-              <a:rPr lang="en-US" smtClean="0"/>
+              <a:rPr lang="en-US"/>
               <a:t>Click to edit Master title style</a:t>
             </a:r>
-            <a:endParaRPr lang="en-US"/>
           </a:p>
         </p:txBody>
       </p:sp>
@@ -2499,7 +2496,7 @@
           <a:p>
             <a:pPr lvl="0"/>
             <a:r>
-              <a:rPr lang="en-US" smtClean="0"/>
+              <a:rPr lang="en-US"/>
               <a:t>Click to edit Master text styles</a:t>
             </a:r>
           </a:p>
@@ -2522,7 +2519,7 @@
           <a:p>
             <a:fld id="{5BCAD085-E8A6-8845-BD4E-CB4CCA059FC4}" type="datetimeFigureOut">
               <a:rPr lang="en-US" smtClean="0"/>
-              <a:t>1/27/13</a:t>
+              <a:t>4/29/25</a:t>
             </a:fld>
             <a:endParaRPr lang="en-US"/>
           </a:p>
@@ -2631,10 +2628,9 @@
           <a:lstStyle/>
           <a:p>
             <a:r>
-              <a:rPr lang="en-US" smtClean="0"/>
+              <a:rPr lang="en-US"/>
               <a:t>Click to edit Master title style</a:t>
             </a:r>
-            <a:endParaRPr lang="en-US"/>
           </a:p>
         </p:txBody>
       </p:sp>
@@ -2665,38 +2661,37 @@
           <a:p>
             <a:pPr lvl="0"/>
             <a:r>
-              <a:rPr lang="en-US" smtClean="0"/>
+              <a:rPr lang="en-US"/>
               <a:t>Click to edit Master text styles</a:t>
             </a:r>
           </a:p>
           <a:p>
             <a:pPr lvl="1"/>
             <a:r>
-              <a:rPr lang="en-US" smtClean="0"/>
+              <a:rPr lang="en-US"/>
               <a:t>Second level</a:t>
             </a:r>
           </a:p>
           <a:p>
             <a:pPr lvl="2"/>
             <a:r>
-              <a:rPr lang="en-US" smtClean="0"/>
+              <a:rPr lang="en-US"/>
               <a:t>Third level</a:t>
             </a:r>
           </a:p>
           <a:p>
             <a:pPr lvl="3"/>
             <a:r>
-              <a:rPr lang="en-US" smtClean="0"/>
+              <a:rPr lang="en-US"/>
               <a:t>Fourth level</a:t>
             </a:r>
           </a:p>
           <a:p>
             <a:pPr lvl="4"/>
             <a:r>
-              <a:rPr lang="en-US" smtClean="0"/>
+              <a:rPr lang="en-US"/>
               <a:t>Fifth level</a:t>
             </a:r>
-            <a:endParaRPr lang="en-US"/>
           </a:p>
         </p:txBody>
       </p:sp>
@@ -2735,7 +2730,7 @@
           <a:p>
             <a:fld id="{5BCAD085-E8A6-8845-BD4E-CB4CCA059FC4}" type="datetimeFigureOut">
               <a:rPr lang="en-US" smtClean="0"/>
-              <a:t>1/27/13</a:t>
+              <a:t>4/29/25</a:t>
             </a:fld>
             <a:endParaRPr lang="en-US"/>
           </a:p>
@@ -3094,7 +3089,7 @@
 </file>
 
 <file path=ppt/slides/slide1.xml><?xml version="1.0" encoding="utf-8"?>
-<p:sld xmlns:a="http://schemas.openxmlformats.org/drawingml/2006/main" xmlns:p="http://schemas.openxmlformats.org/presentationml/2006/main" xmlns:r="http://schemas.openxmlformats.org/officeDocument/2006/relationships">
+<p:sld xmlns:a="http://schemas.openxmlformats.org/drawingml/2006/main" xmlns:r="http://schemas.openxmlformats.org/officeDocument/2006/relationships" xmlns:p="http://schemas.openxmlformats.org/presentationml/2006/main">
   <p:cSld>
     <p:spTree>
       <p:nvGrpSpPr>
@@ -3102,7 +3097,14 @@
         <p:cNvGrpSpPr/>
         <p:nvPr/>
       </p:nvGrpSpPr>
-      <p:grpSpPr/>
+      <p:grpSpPr>
+        <a:xfrm>
+          <a:off x="0" y="0"/>
+          <a:ext cx="0" cy="0"/>
+          <a:chOff x="0" y="0"/>
+          <a:chExt cx="0" cy="0"/>
+        </a:xfrm>
+      </p:grpSpPr>
       <p:sp>
         <p:nvSpPr>
           <p:cNvPr id="2" name="Title 1"/>
@@ -3154,7 +3156,7 @@
 </file>
 
 <file path=ppt/slides/slide10.xml><?xml version="1.0" encoding="utf-8"?>
-<p:sld xmlns:a="http://schemas.openxmlformats.org/drawingml/2006/main" xmlns:p="http://schemas.openxmlformats.org/presentationml/2006/main" xmlns:r="http://schemas.openxmlformats.org/officeDocument/2006/relationships">
+<p:sld xmlns:a="http://schemas.openxmlformats.org/drawingml/2006/main" xmlns:r="http://schemas.openxmlformats.org/officeDocument/2006/relationships" xmlns:p="http://schemas.openxmlformats.org/presentationml/2006/main">
   <p:cSld>
     <p:spTree>
       <p:nvGrpSpPr>
@@ -3162,20 +3164,34 @@
         <p:cNvGrpSpPr/>
         <p:nvPr/>
       </p:nvGrpSpPr>
-      <p:grpSpPr/>
-      <p:sp>
-        <p:nvSpPr>
-          <p:cNvPr id="2" name="Title 1"/>
-          <p:cNvSpPr>
-            <a:spLocks noGrp="1"/>
-          </p:cNvSpPr>
-          <p:nvPr>
-            <p:ph type="title"/>
-          </p:nvPr>
-        </p:nvSpPr>
-        <p:spPr/>
-        <p:txBody>
-          <a:bodyPr/>
+      <p:grpSpPr>
+        <a:xfrm>
+          <a:off x="0" y="0"/>
+          <a:ext cx="0" cy="0"/>
+          <a:chOff x="0" y="0"/>
+          <a:chExt cx="0" cy="0"/>
+        </a:xfrm>
+      </p:grpSpPr>
+      <p:sp>
+        <p:nvSpPr>
+          <p:cNvPr id="2" name="TextBox 1"/>
+          <p:cNvSpPr txBox="1"/>
+          <p:nvPr/>
+        </p:nvSpPr>
+        <p:spPr>
+          <a:xfrm>
+            <a:off x="457200" y="274320"/>
+            <a:ext cx="8229600" cy="457200"/>
+          </a:xfrm>
+          <a:prstGeom prst="rect">
+            <a:avLst/>
+          </a:prstGeom>
+          <a:noFill/>
+        </p:spPr>
+        <p:txBody>
+          <a:bodyPr wrap="none">
+            <a:spAutoFit/>
+          </a:bodyPr>
           <a:lstStyle/>
           <a:p>
             <a:r>
@@ -3186,102 +3202,73 @@
       </p:sp>
       <p:sp>
         <p:nvSpPr>
-          <p:cNvPr id="3" name="Content Placeholder 2"/>
-          <p:cNvSpPr>
-            <a:spLocks noGrp="1"/>
-          </p:cNvSpPr>
-          <p:nvPr>
-            <p:ph idx="1"/>
-          </p:nvPr>
-        </p:nvSpPr>
-        <p:spPr/>
-        <p:txBody>
-          <a:bodyPr/>
-          <a:lstStyle/>
-          <a:p>
-            <a:r>
-              <a:t>import multiprocessing</a:t>
-            </a:r>
-          </a:p>
-          <a:p>
-            <a:r>
-              <a:t>import time</a:t>
-            </a:r>
-          </a:p>
-          <a:p/>
-          <a:p>
-            <a:r>
-              <a:t>def task(name):</a:t>
-            </a:r>
-          </a:p>
-          <a:p>
-            <a:r>
-              <a:t>    print(f"Starting task {name}")</a:t>
-            </a:r>
-          </a:p>
-          <a:p>
-            <a:r>
-              <a:t>    time.sleep(2)</a:t>
-            </a:r>
-          </a:p>
-          <a:p>
-            <a:r>
-              <a:t>    print(f"Task {name} completed")</a:t>
-            </a:r>
-          </a:p>
-          <a:p/>
-          <a:p>
-            <a:r>
-              <a:t>if __name__ == "__main__":</a:t>
-            </a:r>
-          </a:p>
-          <a:p>
-            <a:r>
-              <a:t>    start = time.time()</a:t>
-            </a:r>
-          </a:p>
-          <a:p/>
-          <a:p>
-            <a:r>
-              <a:t>    p1 = multiprocessing.Process(target=task, args=("A",))</a:t>
-            </a:r>
-          </a:p>
-          <a:p>
-            <a:r>
-              <a:t>    p2 = multiprocessing.Process(target=task, args=("B",))</a:t>
-            </a:r>
-          </a:p>
-          <a:p/>
-          <a:p>
-            <a:r>
-              <a:t>    p1.start()</a:t>
-            </a:r>
-          </a:p>
-          <a:p>
-            <a:r>
-              <a:t>    p2.start()</a:t>
-            </a:r>
-          </a:p>
-          <a:p/>
-          <a:p>
-            <a:r>
-              <a:t>    p1.join()</a:t>
-            </a:r>
-          </a:p>
-          <a:p>
-            <a:r>
-              <a:t>    p2.join()</a:t>
-            </a:r>
-          </a:p>
-          <a:p/>
-          <a:p>
-            <a:r>
-              <a:t>    end = time.time()</a:t>
-            </a:r>
-          </a:p>
-          <a:p>
-            <a:r>
-              <a:t>    print(f"Total time: {end - start:.2f} seconds")</a:t>
+          <p:cNvPr id="3" name="TextBox 2"/>
+          <p:cNvSpPr txBox="1"/>
+          <p:nvPr/>
+        </p:nvSpPr>
+        <p:spPr>
+          <a:xfrm>
+            <a:off x="457200" y="914400"/>
+            <a:ext cx="4114800" cy="4572000"/>
+          </a:xfrm>
+          <a:prstGeom prst="rect">
+            <a:avLst/>
+          </a:prstGeom>
+          <a:noFill/>
+        </p:spPr>
+        <p:txBody>
+          <a:bodyPr wrap="square">
+            <a:spAutoFit/>
+          </a:bodyPr>
+          <a:lstStyle/>
+          <a:p>
+            <a:r>
+              <a:rPr sz="1000"/>
+              <a:t>import multiprocessing
+import time
+def task(name):
+    print(f"Starting task {name}")
+    time.sleep(2)
+    print(f"Task {name} completed")
+if __name__ == "__main__":
+    start = time.time()
+</a:t>
+            </a:r>
+          </a:p>
+        </p:txBody>
+      </p:sp>
+      <p:sp>
+        <p:nvSpPr>
+          <p:cNvPr id="4" name="TextBox 3"/>
+          <p:cNvSpPr txBox="1"/>
+          <p:nvPr/>
+        </p:nvSpPr>
+        <p:spPr>
+          <a:xfrm>
+            <a:off x="4572000" y="914400"/>
+            <a:ext cx="4114800" cy="4572000"/>
+          </a:xfrm>
+          <a:prstGeom prst="rect">
+            <a:avLst/>
+          </a:prstGeom>
+          <a:noFill/>
+        </p:spPr>
+        <p:txBody>
+          <a:bodyPr wrap="square">
+            <a:spAutoFit/>
+          </a:bodyPr>
+          <a:lstStyle/>
+          <a:p>
+            <a:r>
+              <a:rPr sz="1000"/>
+              <a:t>    p1 = multiprocessing.Process(target=task, args=("A",))
+    p2 = multiprocessing.Process(target=task, args=("B",))
+    p1.start()
+    p2.start()
+    p1.join()
+    p2.join()
+    end = time.time()
+    print(f"Total time: {end - start:.2f} seconds")</a:t>
             </a:r>
           </a:p>
         </p:txBody>
@@ -3295,7 +3282,7 @@
 </file>
 
 <file path=ppt/slides/slide11.xml><?xml version="1.0" encoding="utf-8"?>
-<p:sld xmlns:a="http://schemas.openxmlformats.org/drawingml/2006/main" xmlns:p="http://schemas.openxmlformats.org/presentationml/2006/main" xmlns:r="http://schemas.openxmlformats.org/officeDocument/2006/relationships">
+<p:sld xmlns:a="http://schemas.openxmlformats.org/drawingml/2006/main" xmlns:r="http://schemas.openxmlformats.org/officeDocument/2006/relationships" xmlns:p="http://schemas.openxmlformats.org/presentationml/2006/main">
   <p:cSld>
     <p:spTree>
       <p:nvGrpSpPr>
@@ -3303,20 +3290,34 @@
         <p:cNvGrpSpPr/>
         <p:nvPr/>
       </p:nvGrpSpPr>
-      <p:grpSpPr/>
-      <p:sp>
-        <p:nvSpPr>
-          <p:cNvPr id="2" name="Title 1"/>
-          <p:cNvSpPr>
-            <a:spLocks noGrp="1"/>
-          </p:cNvSpPr>
-          <p:nvPr>
-            <p:ph type="title"/>
-          </p:nvPr>
-        </p:nvSpPr>
-        <p:spPr/>
-        <p:txBody>
-          <a:bodyPr/>
+      <p:grpSpPr>
+        <a:xfrm>
+          <a:off x="0" y="0"/>
+          <a:ext cx="0" cy="0"/>
+          <a:chOff x="0" y="0"/>
+          <a:chExt cx="0" cy="0"/>
+        </a:xfrm>
+      </p:grpSpPr>
+      <p:sp>
+        <p:nvSpPr>
+          <p:cNvPr id="2" name="TextBox 1"/>
+          <p:cNvSpPr txBox="1"/>
+          <p:nvPr/>
+        </p:nvSpPr>
+        <p:spPr>
+          <a:xfrm>
+            <a:off x="457200" y="274320"/>
+            <a:ext cx="8229600" cy="457200"/>
+          </a:xfrm>
+          <a:prstGeom prst="rect">
+            <a:avLst/>
+          </a:prstGeom>
+          <a:noFill/>
+        </p:spPr>
+        <p:txBody>
+          <a:bodyPr wrap="none">
+            <a:spAutoFit/>
+          </a:bodyPr>
           <a:lstStyle/>
           <a:p>
             <a:r>
@@ -3327,148 +3328,102 @@
       </p:sp>
       <p:sp>
         <p:nvSpPr>
-          <p:cNvPr id="3" name="Content Placeholder 2"/>
-          <p:cNvSpPr>
-            <a:spLocks noGrp="1"/>
-          </p:cNvSpPr>
-          <p:nvPr>
-            <p:ph idx="1"/>
-          </p:nvPr>
-        </p:nvSpPr>
-        <p:spPr/>
-        <p:txBody>
-          <a:bodyPr/>
-          <a:lstStyle/>
-          <a:p>
-            <a:r>
-              <a:t>import time</a:t>
-            </a:r>
-          </a:p>
-          <a:p>
-            <a:r>
-              <a:t>import matplotlib.pyplot as plt</a:t>
-            </a:r>
-          </a:p>
-          <a:p>
-            <a:r>
-              <a:t>import concurrent.futures</a:t>
-            </a:r>
-          </a:p>
-          <a:p>
-            <a:r>
-              <a:t>import multiprocessing</a:t>
-            </a:r>
-          </a:p>
-          <a:p>
-            <a:r>
-              <a:t>import threading</a:t>
-            </a:r>
-          </a:p>
-          <a:p/>
-          <a:p>
-            <a:r>
-              <a:t>def cpu_heavy(x):</a:t>
-            </a:r>
-          </a:p>
-          <a:p>
-            <a:r>
-              <a:t>    start = time.time()</a:t>
-            </a:r>
-          </a:p>
-          <a:p>
-            <a:r>
-              <a:t>    total = 0</a:t>
-            </a:r>
-          </a:p>
-          <a:p>
-            <a:r>
-              <a:t>    for i in range(10_000_000):</a:t>
-            </a:r>
-          </a:p>
-          <a:p>
-            <a:r>
-              <a:t>        total += i * i</a:t>
-            </a:r>
-          </a:p>
-          <a:p>
-            <a:r>
-              <a:t>    duration = time.time() - start</a:t>
-            </a:r>
-          </a:p>
-          <a:p>
-            <a:r>
-              <a:t>    return x, duration</a:t>
-            </a:r>
-          </a:p>
-          <a:p/>
-          <a:p>
-            <a:r>
-              <a:t>def run_parallel_tasks(mode="threading", num_tasks=8):</a:t>
-            </a:r>
-          </a:p>
-          <a:p>
-            <a:r>
-              <a:t>    times = []</a:t>
-            </a:r>
-          </a:p>
-          <a:p/>
-          <a:p>
-            <a:r>
-              <a:t>    if mode == "threading":</a:t>
-            </a:r>
-          </a:p>
-          <a:p>
-            <a:r>
-              <a:t>        executor_class = concurrent.futures.ThreadPoolExecutor</a:t>
-            </a:r>
-          </a:p>
-          <a:p>
-            <a:r>
-              <a:t>    elif mode == "multiprocessing":</a:t>
-            </a:r>
-          </a:p>
-          <a:p>
-            <a:r>
-              <a:t>        executor_class = concurrent.futures.ProcessPoolExecutor</a:t>
-            </a:r>
-          </a:p>
-          <a:p>
-            <a:r>
-              <a:t>    else:</a:t>
-            </a:r>
-          </a:p>
-          <a:p>
-            <a:r>
-              <a:t>        raise ValueError("mode must be 'threading' or 'multiprocessing'")</a:t>
-            </a:r>
-          </a:p>
-          <a:p/>
-          <a:p>
-            <a:r>
-              <a:t>    with executor_class(max_workers=num_tasks) as executor:</a:t>
-            </a:r>
-          </a:p>
-          <a:p>
-            <a:r>
-              <a:t>        futures = [executor.submit(cpu_heavy, i) for i in range(num_tasks)]</a:t>
-            </a:r>
-          </a:p>
-          <a:p>
-            <a:r>
-              <a:t>        for future in concurrent.futures.as_completed(futures):</a:t>
-            </a:r>
-          </a:p>
-          <a:p>
-            <a:r>
-              <a:t>            idx, duration = future.result()</a:t>
-            </a:r>
-          </a:p>
-          <a:p>
-            <a:r>
-              <a:t>            times.append((idx, duration))</a:t>
-            </a:r>
-          </a:p>
-          <a:p/>
+          <p:cNvPr id="3" name="TextBox 2"/>
+          <p:cNvSpPr txBox="1"/>
+          <p:nvPr/>
+        </p:nvSpPr>
+        <p:spPr>
+          <a:xfrm>
+            <a:off x="457200" y="914400"/>
+            <a:ext cx="4114800" cy="4572000"/>
+          </a:xfrm>
+          <a:prstGeom prst="rect">
+            <a:avLst/>
+          </a:prstGeom>
+          <a:noFill/>
+        </p:spPr>
+        <p:txBody>
+          <a:bodyPr wrap="square">
+            <a:spAutoFit/>
+          </a:bodyPr>
+          <a:lstStyle/>
+          <a:p>
+            <a:r>
+              <a:rPr sz="1000"/>
+              <a:t>import time
+import matplotlib.pyplot as plt
+import concurrent.futures
+import multiprocessing
+import threading
+def cpu_heavy(x):
+    start = time.time()
+    total = 0
+    for i in range(10_000_000):
+        total += i * i
+    duration = time.time() - start
+    return x, duration
+def run_parallel_tasks(mode="threading", num_tasks=8):
+    times = []
+    if mode == "threading":
+        executor_class = concurrent.futures.ThreadPoolExecutor
+    elif mode == "multiprocessing":
+        executor_class = concurrent.futures.ProcessPoolExecutor
+    else:
+        raise ValueError("mode must be 'threading' or 'multiprocessing'")
+    with executor_class(max_workers=num_tasks) as executor:
+</a:t>
+            </a:r>
+          </a:p>
+        </p:txBody>
+      </p:sp>
+      <p:sp>
+        <p:nvSpPr>
+          <p:cNvPr id="4" name="TextBox 3"/>
+          <p:cNvSpPr txBox="1"/>
+          <p:nvPr/>
+        </p:nvSpPr>
+        <p:spPr>
+          <a:xfrm>
+            <a:off x="4572000" y="914400"/>
+            <a:ext cx="4114800" cy="4572000"/>
+          </a:xfrm>
+          <a:prstGeom prst="rect">
+            <a:avLst/>
+          </a:prstGeom>
+          <a:noFill/>
+        </p:spPr>
+        <p:txBody>
+          <a:bodyPr wrap="square">
+            <a:spAutoFit/>
+          </a:bodyPr>
+          <a:lstStyle/>
+          <a:p>
+            <a:r>
+              <a:rPr sz="1000"/>
+              <a:t>        futures = [executor.submit(cpu_heavy, i) for i in range(num_tasks)]
+        for future in concurrent.futures.as_completed(futures):
+            idx, duration = future.result()
+            times.append((idx, duration))
+    times.sort()  # ensure consistent order
+    return [t[1] for t in times]
+def visualize_comparison():
+    tasks = 20
+    threading_times = run_parallel_tasks("threading", num_tasks=tasks)
+    multiprocessing_times = run_parallel_tasks("multiprocessing", num_tasks=tasks)
+    plt.figure(figsize=(10, 6))
+    plt.plot(threading_times, label="Multithreading", marker='o')
+    plt.plot(multiprocessing_times, label="Multiprocessing", marker='s')
+    plt.title("Task Duration: Threads vs Processes")
+    plt.xlabel("Task Index")
+    plt.ylabel("Time (seconds)")
+    plt.legend()
+    plt.grid(True)
+    plt.tight_layout()
+    plt.savefig("threads_vs_processes.png")
+    plt.show()
+</a:t>
+            </a:r>
+          </a:p>
         </p:txBody>
       </p:sp>
     </p:spTree>
@@ -3480,7 +3435,7 @@
 </file>
 
 <file path=ppt/slides/slide12.xml><?xml version="1.0" encoding="utf-8"?>
-<p:sld xmlns:a="http://schemas.openxmlformats.org/drawingml/2006/main" xmlns:p="http://schemas.openxmlformats.org/presentationml/2006/main" xmlns:r="http://schemas.openxmlformats.org/officeDocument/2006/relationships">
+<p:sld xmlns:a="http://schemas.openxmlformats.org/drawingml/2006/main" xmlns:r="http://schemas.openxmlformats.org/officeDocument/2006/relationships" xmlns:p="http://schemas.openxmlformats.org/presentationml/2006/main">
   <p:cSld>
     <p:spTree>
       <p:nvGrpSpPr>
@@ -3488,20 +3443,34 @@
         <p:cNvGrpSpPr/>
         <p:nvPr/>
       </p:nvGrpSpPr>
-      <p:grpSpPr/>
-      <p:sp>
-        <p:nvSpPr>
-          <p:cNvPr id="2" name="Title 1"/>
-          <p:cNvSpPr>
-            <a:spLocks noGrp="1"/>
-          </p:cNvSpPr>
-          <p:nvPr>
-            <p:ph type="title"/>
-          </p:nvPr>
-        </p:nvSpPr>
-        <p:spPr/>
-        <p:txBody>
-          <a:bodyPr/>
+      <p:grpSpPr>
+        <a:xfrm>
+          <a:off x="0" y="0"/>
+          <a:ext cx="0" cy="0"/>
+          <a:chOff x="0" y="0"/>
+          <a:chExt cx="0" cy="0"/>
+        </a:xfrm>
+      </p:grpSpPr>
+      <p:sp>
+        <p:nvSpPr>
+          <p:cNvPr id="2" name="TextBox 1"/>
+          <p:cNvSpPr txBox="1"/>
+          <p:nvPr/>
+        </p:nvSpPr>
+        <p:spPr>
+          <a:xfrm>
+            <a:off x="457200" y="274320"/>
+            <a:ext cx="8229600" cy="457200"/>
+          </a:xfrm>
+          <a:prstGeom prst="rect">
+            <a:avLst/>
+          </a:prstGeom>
+          <a:noFill/>
+        </p:spPr>
+        <p:txBody>
+          <a:bodyPr wrap="none">
+            <a:spAutoFit/>
+          </a:bodyPr>
           <a:lstStyle/>
           <a:p>
             <a:r>
@@ -3512,141 +3481,82 @@
       </p:sp>
       <p:sp>
         <p:nvSpPr>
-          <p:cNvPr id="3" name="Content Placeholder 2"/>
-          <p:cNvSpPr>
-            <a:spLocks noGrp="1"/>
-          </p:cNvSpPr>
-          <p:nvPr>
-            <p:ph idx="1"/>
-          </p:nvPr>
-        </p:nvSpPr>
-        <p:spPr/>
-        <p:txBody>
-          <a:bodyPr/>
-          <a:lstStyle/>
-          <a:p>
-            <a:r>
-              <a:t>// multithreading</a:t>
-            </a:r>
-          </a:p>
-          <a:p>
-            <a:r>
-              <a:t>package main</a:t>
-            </a:r>
-          </a:p>
-          <a:p/>
-          <a:p>
-            <a:r>
-              <a:t>import (</a:t>
-            </a:r>
-          </a:p>
-          <a:p>
-            <a:r>
-              <a:t>	"fmt"</a:t>
-            </a:r>
-          </a:p>
-          <a:p>
-            <a:r>
-              <a:t>	"runtime"</a:t>
-            </a:r>
-          </a:p>
-          <a:p>
-            <a:r>
-              <a:t>	"sync"</a:t>
-            </a:r>
-          </a:p>
-          <a:p>
-            <a:r>
-              <a:t>)</a:t>
-            </a:r>
-          </a:p>
-          <a:p/>
-          <a:p>
-            <a:r>
-              <a:t>func cpuHeavy(name string, wg *sync.WaitGroup) {</a:t>
-            </a:r>
-          </a:p>
-          <a:p>
-            <a:r>
-              <a:t>	defer wg.Done()</a:t>
-            </a:r>
-          </a:p>
-          <a:p>
-            <a:r>
-              <a:t>	fmt.Printf("Starting %s\n", name)</a:t>
-            </a:r>
-          </a:p>
-          <a:p>
-            <a:r>
-              <a:t>	total := 0</a:t>
-            </a:r>
-          </a:p>
-          <a:p>
-            <a:r>
-              <a:t>	for i := 0; i &lt; 10_000_000; i++ {</a:t>
-            </a:r>
-          </a:p>
-          <a:p>
-            <a:r>
-              <a:t>		total += i * i</a:t>
-            </a:r>
-          </a:p>
-          <a:p>
-            <a:r>
-              <a:t>	}</a:t>
-            </a:r>
-          </a:p>
-          <a:p>
-            <a:r>
-              <a:t>	fmt.Printf("%s complete\n", name)</a:t>
-            </a:r>
-          </a:p>
-          <a:p>
-            <a:r>
-              <a:t>}</a:t>
-            </a:r>
-          </a:p>
-          <a:p/>
-          <a:p>
-            <a:r>
-              <a:t>func main() {</a:t>
-            </a:r>
-          </a:p>
-          <a:p>
-            <a:r>
-              <a:t>	runtime.GOMAXPROCS(runtime.NumCPU()) // Use all available CPU cores</a:t>
-            </a:r>
-          </a:p>
-          <a:p>
-            <a:r>
-              <a:t>	var wg sync.WaitGroup</a:t>
-            </a:r>
-          </a:p>
-          <a:p>
-            <a:r>
-              <a:t>	wg.Add(2)</a:t>
-            </a:r>
-          </a:p>
-          <a:p/>
-          <a:p>
-            <a:r>
-              <a:t>	go cpuHeavy("Goroutine A", &amp;wg)</a:t>
-            </a:r>
-          </a:p>
-          <a:p>
-            <a:r>
-              <a:t>	go cpuHeavy("Goroutine B", &amp;wg)</a:t>
-            </a:r>
-          </a:p>
-          <a:p/>
-          <a:p>
-            <a:r>
-              <a:t>	wg.Wait()</a:t>
-            </a:r>
-          </a:p>
-          <a:p>
-            <a:r>
-              <a:t>}</a:t>
+          <p:cNvPr id="3" name="TextBox 2"/>
+          <p:cNvSpPr txBox="1"/>
+          <p:nvPr/>
+        </p:nvSpPr>
+        <p:spPr>
+          <a:xfrm>
+            <a:off x="457200" y="914400"/>
+            <a:ext cx="4114800" cy="4572000"/>
+          </a:xfrm>
+          <a:prstGeom prst="rect">
+            <a:avLst/>
+          </a:prstGeom>
+          <a:noFill/>
+        </p:spPr>
+        <p:txBody>
+          <a:bodyPr wrap="square">
+            <a:spAutoFit/>
+          </a:bodyPr>
+          <a:lstStyle/>
+          <a:p>
+            <a:r>
+              <a:rPr sz="1000"/>
+              <a:t>// multithreading
+package main
+import (
+	"fmt"
+	"runtime"
+	"sync"
+)
+func cpuHeavy(name string, wg *sync.WaitGroup) {
+	defer wg.Done()
+	fmt.Printf("Starting %s\n", name)
+	total := 0
+	for i := 0; i &lt; 10_000_000; i++ {
+</a:t>
+            </a:r>
+          </a:p>
+        </p:txBody>
+      </p:sp>
+      <p:sp>
+        <p:nvSpPr>
+          <p:cNvPr id="4" name="TextBox 3"/>
+          <p:cNvSpPr txBox="1"/>
+          <p:nvPr/>
+        </p:nvSpPr>
+        <p:spPr>
+          <a:xfrm>
+            <a:off x="4572000" y="914400"/>
+            <a:ext cx="4114800" cy="4572000"/>
+          </a:xfrm>
+          <a:prstGeom prst="rect">
+            <a:avLst/>
+          </a:prstGeom>
+          <a:noFill/>
+        </p:spPr>
+        <p:txBody>
+          <a:bodyPr wrap="square">
+            <a:spAutoFit/>
+          </a:bodyPr>
+          <a:lstStyle/>
+          <a:p>
+            <a:r>
+              <a:rPr sz="1000"/>
+              <a:t>		total += i * i
+	}
+	fmt.Printf("%s complete\n", name)
+}
+func main() {
+	runtime.GOMAXPROCS(runtime.NumCPU()) // Use all available CPU cores
+	var wg sync.WaitGroup
+	wg.Add(2)
+	go cpuHeavy("Goroutine A", &amp;wg)
+	go cpuHeavy("Goroutine B", &amp;wg)
+	wg.Wait()
+}
+</a:t>
             </a:r>
           </a:p>
         </p:txBody>
@@ -3660,7 +3570,7 @@
 </file>
 
 <file path=ppt/slides/slide13.xml><?xml version="1.0" encoding="utf-8"?>
-<p:sld xmlns:a="http://schemas.openxmlformats.org/drawingml/2006/main" xmlns:p="http://schemas.openxmlformats.org/presentationml/2006/main" xmlns:r="http://schemas.openxmlformats.org/officeDocument/2006/relationships">
+<p:sld xmlns:a="http://schemas.openxmlformats.org/drawingml/2006/main" xmlns:r="http://schemas.openxmlformats.org/officeDocument/2006/relationships" xmlns:p="http://schemas.openxmlformats.org/presentationml/2006/main">
   <p:cSld>
     <p:spTree>
       <p:nvGrpSpPr>
@@ -3668,20 +3578,34 @@
         <p:cNvGrpSpPr/>
         <p:nvPr/>
       </p:nvGrpSpPr>
-      <p:grpSpPr/>
-      <p:sp>
-        <p:nvSpPr>
-          <p:cNvPr id="2" name="Title 1"/>
-          <p:cNvSpPr>
-            <a:spLocks noGrp="1"/>
-          </p:cNvSpPr>
-          <p:nvPr>
-            <p:ph type="title"/>
-          </p:nvPr>
-        </p:nvSpPr>
-        <p:spPr/>
-        <p:txBody>
-          <a:bodyPr/>
+      <p:grpSpPr>
+        <a:xfrm>
+          <a:off x="0" y="0"/>
+          <a:ext cx="0" cy="0"/>
+          <a:chOff x="0" y="0"/>
+          <a:chExt cx="0" cy="0"/>
+        </a:xfrm>
+      </p:grpSpPr>
+      <p:sp>
+        <p:nvSpPr>
+          <p:cNvPr id="2" name="TextBox 1"/>
+          <p:cNvSpPr txBox="1"/>
+          <p:nvPr/>
+        </p:nvSpPr>
+        <p:spPr>
+          <a:xfrm>
+            <a:off x="457200" y="274320"/>
+            <a:ext cx="8229600" cy="457200"/>
+          </a:xfrm>
+          <a:prstGeom prst="rect">
+            <a:avLst/>
+          </a:prstGeom>
+          <a:noFill/>
+        </p:spPr>
+        <p:txBody>
+          <a:bodyPr wrap="none">
+            <a:spAutoFit/>
+          </a:bodyPr>
           <a:lstStyle/>
           <a:p>
             <a:r>
@@ -3692,140 +3616,100 @@
       </p:sp>
       <p:sp>
         <p:nvSpPr>
-          <p:cNvPr id="3" name="Content Placeholder 2"/>
-          <p:cNvSpPr>
-            <a:spLocks noGrp="1"/>
-          </p:cNvSpPr>
-          <p:nvPr>
-            <p:ph idx="1"/>
-          </p:nvPr>
-        </p:nvSpPr>
-        <p:spPr/>
-        <p:txBody>
-          <a:bodyPr/>
-          <a:lstStyle/>
-          <a:p>
-            <a:r>
-              <a:t>//multithreading</a:t>
-            </a:r>
-          </a:p>
-          <a:p/>
-          <a:p>
-            <a:r>
-              <a:t>package main</a:t>
-            </a:r>
-          </a:p>
-          <a:p/>
-          <a:p>
-            <a:r>
-              <a:t>import (</a:t>
-            </a:r>
-          </a:p>
-          <a:p>
-            <a:r>
-              <a:t>	"fmt"</a:t>
-            </a:r>
-          </a:p>
-          <a:p>
-            <a:r>
-              <a:t>	"os"</a:t>
-            </a:r>
-          </a:p>
-          <a:p>
-            <a:r>
-              <a:t>	"runtime"</a:t>
-            </a:r>
-          </a:p>
-          <a:p>
-            <a:r>
-              <a:t>	"sync"</a:t>
-            </a:r>
-          </a:p>
-          <a:p>
-            <a:r>
-              <a:t>	"time"</a:t>
-            </a:r>
-          </a:p>
-          <a:p>
-            <a:r>
-              <a:t>)</a:t>
-            </a:r>
-          </a:p>
-          <a:p/>
-          <a:p>
-            <a:r>
-              <a:t>func cpuHeavyTask(id int, wg *sync.WaitGroup, results chan&lt;- string) {</a:t>
-            </a:r>
-          </a:p>
-          <a:p>
-            <a:r>
-              <a:t>	defer wg.Done()</a:t>
-            </a:r>
-          </a:p>
-          <a:p>
-            <a:r>
-              <a:t>	start := time.Now()</a:t>
-            </a:r>
-          </a:p>
-          <a:p/>
-          <a:p>
-            <a:r>
-              <a:t>	// Simulated CPU-heavy computation</a:t>
-            </a:r>
-          </a:p>
-          <a:p>
-            <a:r>
-              <a:t>	total := 0</a:t>
-            </a:r>
-          </a:p>
-          <a:p>
-            <a:r>
-              <a:t>	for i := 0; i &lt; 10000000; i++ {</a:t>
-            </a:r>
-          </a:p>
-          <a:p>
-            <a:r>
-              <a:t>		total += i * i</a:t>
-            </a:r>
-          </a:p>
-          <a:p>
-            <a:r>
-              <a:t>	}</a:t>
-            </a:r>
-          </a:p>
-          <a:p/>
-          <a:p>
-            <a:r>
-              <a:t>	duration := time.Since(start)</a:t>
-            </a:r>
-          </a:p>
-          <a:p>
-            <a:r>
-              <a:t>	results &lt;- fmt.Sprintf("%d,%.4f\n", id, duration.Seconds())</a:t>
-            </a:r>
-          </a:p>
-          <a:p>
-            <a:r>
-              <a:t>}</a:t>
-            </a:r>
-          </a:p>
-          <a:p/>
-          <a:p>
-            <a:r>
-              <a:t>func main() {</a:t>
-            </a:r>
-          </a:p>
-          <a:p>
-            <a:r>
-              <a:t>	numWorkers := 10</a:t>
-            </a:r>
-          </a:p>
-          <a:p>
-            <a:r>
-              <a:t>	runtime.GOMAXPROCS(runtime.NumCPU())</a:t>
-            </a:r>
-          </a:p>
-          <a:p/>
+          <p:cNvPr id="3" name="TextBox 2"/>
+          <p:cNvSpPr txBox="1"/>
+          <p:nvPr/>
+        </p:nvSpPr>
+        <p:spPr>
+          <a:xfrm>
+            <a:off x="457200" y="914400"/>
+            <a:ext cx="4114800" cy="4572000"/>
+          </a:xfrm>
+          <a:prstGeom prst="rect">
+            <a:avLst/>
+          </a:prstGeom>
+          <a:noFill/>
+        </p:spPr>
+        <p:txBody>
+          <a:bodyPr wrap="square">
+            <a:spAutoFit/>
+          </a:bodyPr>
+          <a:lstStyle/>
+          <a:p>
+            <a:r>
+              <a:rPr sz="1000"/>
+              <a:t>//multithreading
+package main
+import (
+	"fmt"
+	"os"
+	"runtime"
+	"sync"
+	"time"
+)
+func cpuHeavyTask(id int, wg *sync.WaitGroup, results chan&lt;- string) {
+	defer wg.Done()
+	start := time.Now()
+	// Simulated CPU-heavy computation
+	total := 0
+	for i := 0; i &lt; 10000000; i++ {
+		total += i * i
+	}
+	duration := time.Since(start)
+	results &lt;- fmt.Sprintf("%d,%.4f\n", id, duration.Seconds())
+}
+</a:t>
+            </a:r>
+          </a:p>
+        </p:txBody>
+      </p:sp>
+      <p:sp>
+        <p:nvSpPr>
+          <p:cNvPr id="4" name="TextBox 3"/>
+          <p:cNvSpPr txBox="1"/>
+          <p:nvPr/>
+        </p:nvSpPr>
+        <p:spPr>
+          <a:xfrm>
+            <a:off x="4572000" y="914400"/>
+            <a:ext cx="4114800" cy="4572000"/>
+          </a:xfrm>
+          <a:prstGeom prst="rect">
+            <a:avLst/>
+          </a:prstGeom>
+          <a:noFill/>
+        </p:spPr>
+        <p:txBody>
+          <a:bodyPr wrap="square">
+            <a:spAutoFit/>
+          </a:bodyPr>
+          <a:lstStyle/>
+          <a:p>
+            <a:r>
+              <a:rPr sz="1000"/>
+              <a:t>
+func main() {
+	numWorkers := 10
+	runtime.GOMAXPROCS(runtime.NumCPU())
+	var wg sync.WaitGroup
+	results := make(chan string, numWorkers)
+	fmt.Printf("Running %d goroutines...\n", numWorkers)
+	wg.Add(numWorkers)
+	for i := 0; i &lt; numWorkers; i++ {
+		go cpuHeavyTask(i, &amp;wg, results)
+	}
+	wg.Wait()
+	close(results)
+	// Write results to CSV
+	file, err := os.Create("goroutine_times.csv")
+	if err != nil {
+		fmt.Println("Error writing CSV:", err)
+		return
+	}
+	defer file.Close()
+</a:t>
+            </a:r>
+          </a:p>
         </p:txBody>
       </p:sp>
     </p:spTree>
@@ -3837,7 +3721,7 @@
 </file>
 
 <file path=ppt/slides/slide14.xml><?xml version="1.0" encoding="utf-8"?>
-<p:sld xmlns:a="http://schemas.openxmlformats.org/drawingml/2006/main" xmlns:p="http://schemas.openxmlformats.org/presentationml/2006/main" xmlns:r="http://schemas.openxmlformats.org/officeDocument/2006/relationships">
+<p:sld xmlns:a="http://schemas.openxmlformats.org/drawingml/2006/main" xmlns:r="http://schemas.openxmlformats.org/officeDocument/2006/relationships" xmlns:p="http://schemas.openxmlformats.org/presentationml/2006/main">
   <p:cSld>
     <p:spTree>
       <p:nvGrpSpPr>
@@ -3845,20 +3729,34 @@
         <p:cNvGrpSpPr/>
         <p:nvPr/>
       </p:nvGrpSpPr>
-      <p:grpSpPr/>
-      <p:sp>
-        <p:nvSpPr>
-          <p:cNvPr id="2" name="Title 1"/>
-          <p:cNvSpPr>
-            <a:spLocks noGrp="1"/>
-          </p:cNvSpPr>
-          <p:nvPr>
-            <p:ph type="title"/>
-          </p:nvPr>
-        </p:nvSpPr>
-        <p:spPr/>
-        <p:txBody>
-          <a:bodyPr/>
+      <p:grpSpPr>
+        <a:xfrm>
+          <a:off x="0" y="0"/>
+          <a:ext cx="0" cy="0"/>
+          <a:chOff x="0" y="0"/>
+          <a:chExt cx="0" cy="0"/>
+        </a:xfrm>
+      </p:grpSpPr>
+      <p:sp>
+        <p:nvSpPr>
+          <p:cNvPr id="2" name="TextBox 1"/>
+          <p:cNvSpPr txBox="1"/>
+          <p:nvPr/>
+        </p:nvSpPr>
+        <p:spPr>
+          <a:xfrm>
+            <a:off x="457200" y="274320"/>
+            <a:ext cx="8229600" cy="457200"/>
+          </a:xfrm>
+          <a:prstGeom prst="rect">
+            <a:avLst/>
+          </a:prstGeom>
+          <a:noFill/>
+        </p:spPr>
+        <p:txBody>
+          <a:bodyPr wrap="none">
+            <a:spAutoFit/>
+          </a:bodyPr>
           <a:lstStyle/>
           <a:p>
             <a:r>
@@ -3869,144 +3767,83 @@
       </p:sp>
       <p:sp>
         <p:nvSpPr>
-          <p:cNvPr id="3" name="Content Placeholder 2"/>
-          <p:cNvSpPr>
-            <a:spLocks noGrp="1"/>
-          </p:cNvSpPr>
-          <p:nvPr>
-            <p:ph idx="1"/>
-          </p:nvPr>
-        </p:nvSpPr>
-        <p:spPr/>
-        <p:txBody>
-          <a:bodyPr/>
-          <a:lstStyle/>
-          <a:p>
-            <a:r>
-              <a:t>// Shows only threads</a:t>
-            </a:r>
-          </a:p>
-          <a:p>
-            <a:r>
-              <a:t>package main</a:t>
-            </a:r>
-          </a:p>
-          <a:p/>
-          <a:p>
-            <a:r>
-              <a:t>import (</a:t>
-            </a:r>
-          </a:p>
-          <a:p>
-            <a:r>
-              <a:t>	"fmt"</a:t>
-            </a:r>
-          </a:p>
-          <a:p>
-            <a:r>
-              <a:t>	"os"</a:t>
-            </a:r>
-          </a:p>
-          <a:p>
-            <a:r>
-              <a:t>	"strconv"</a:t>
-            </a:r>
-          </a:p>
-          <a:p>
-            <a:r>
-              <a:t>	"time"</a:t>
-            </a:r>
-          </a:p>
-          <a:p>
-            <a:r>
-              <a:t>)</a:t>
-            </a:r>
-          </a:p>
-          <a:p/>
-          <a:p>
-            <a:r>
-              <a:t>func cpuHeavyTask(id int) {</a:t>
-            </a:r>
-          </a:p>
-          <a:p>
-            <a:r>
-              <a:t>	start := time.Now()</a:t>
-            </a:r>
-          </a:p>
-          <a:p>
-            <a:r>
-              <a:t>	total := 0</a:t>
-            </a:r>
-          </a:p>
-          <a:p>
-            <a:r>
-              <a:t>	for i := 0; i &lt; 10000000; i++ {</a:t>
-            </a:r>
-          </a:p>
-          <a:p>
-            <a:r>
-              <a:t>		total += i * i</a:t>
-            </a:r>
-          </a:p>
-          <a:p>
-            <a:r>
-              <a:t>	}</a:t>
-            </a:r>
-          </a:p>
-          <a:p>
-            <a:r>
-              <a:t>	duration := time.Since(start)</a:t>
-            </a:r>
-          </a:p>
-          <a:p>
-            <a:r>
-              <a:t>	fmt.Printf("Process %d finished in %.4f seconds\n", id, duration.Seconds())</a:t>
-            </a:r>
-          </a:p>
-          <a:p>
-            <a:r>
-              <a:t>}</a:t>
-            </a:r>
-          </a:p>
-          <a:p/>
-          <a:p>
-            <a:r>
-              <a:t>func main() {</a:t>
-            </a:r>
-          </a:p>
-          <a:p>
-            <a:r>
-              <a:t>	if len(os.Args) &lt; 2 {</a:t>
-            </a:r>
-          </a:p>
-          <a:p>
-            <a:r>
-              <a:t>		fmt.Println("Usage: ./worker &lt;id&gt;")</a:t>
-            </a:r>
-          </a:p>
-          <a:p>
-            <a:r>
-              <a:t>		return</a:t>
-            </a:r>
-          </a:p>
-          <a:p>
-            <a:r>
-              <a:t>	}</a:t>
-            </a:r>
-          </a:p>
-          <a:p>
-            <a:r>
-              <a:t>	id, _ := strconv.Atoi(os.Args[1])</a:t>
-            </a:r>
-          </a:p>
-          <a:p>
-            <a:r>
-              <a:t>	cpuHeavyTask(id)</a:t>
-            </a:r>
-          </a:p>
-          <a:p>
-            <a:r>
-              <a:t>}</a:t>
+          <p:cNvPr id="3" name="TextBox 2"/>
+          <p:cNvSpPr txBox="1"/>
+          <p:nvPr/>
+        </p:nvSpPr>
+        <p:spPr>
+          <a:xfrm>
+            <a:off x="457200" y="914400"/>
+            <a:ext cx="4114800" cy="4572000"/>
+          </a:xfrm>
+          <a:prstGeom prst="rect">
+            <a:avLst/>
+          </a:prstGeom>
+          <a:noFill/>
+        </p:spPr>
+        <p:txBody>
+          <a:bodyPr wrap="square">
+            <a:spAutoFit/>
+          </a:bodyPr>
+          <a:lstStyle/>
+          <a:p>
+            <a:r>
+              <a:rPr sz="1000"/>
+              <a:t>// Shows only threads
+package main
+import (
+	"fmt"
+	"os"
+	"strconv"
+	"time"
+)
+func cpuHeavyTask(id int) {
+	start := time.Now()
+	total := 0
+	for i := 0; i &lt; 10000000; i++ {
+</a:t>
+            </a:r>
+          </a:p>
+        </p:txBody>
+      </p:sp>
+      <p:sp>
+        <p:nvSpPr>
+          <p:cNvPr id="4" name="TextBox 3"/>
+          <p:cNvSpPr txBox="1"/>
+          <p:nvPr/>
+        </p:nvSpPr>
+        <p:spPr>
+          <a:xfrm>
+            <a:off x="4572000" y="914400"/>
+            <a:ext cx="4114800" cy="4572000"/>
+          </a:xfrm>
+          <a:prstGeom prst="rect">
+            <a:avLst/>
+          </a:prstGeom>
+          <a:noFill/>
+        </p:spPr>
+        <p:txBody>
+          <a:bodyPr wrap="square">
+            <a:spAutoFit/>
+          </a:bodyPr>
+          <a:lstStyle/>
+          <a:p>
+            <a:r>
+              <a:rPr sz="1000"/>
+              <a:t>		total += i * i
+	}
+	duration := time.Since(start)
+	fmt.Printf("Process %d finished in %.4f seconds\n", id, duration.Seconds())
+}
+func main() {
+	if len(os.Args) &lt; 2 {
+		fmt.Println("Usage: ./worker &lt;id&gt;")
+		return
+	}
+	id, _ := strconv.Atoi(os.Args[1])
+	cpuHeavyTask(id)
+}
+</a:t>
             </a:r>
           </a:p>
         </p:txBody>
@@ -4020,7 +3857,7 @@
 </file>
 
 <file path=ppt/slides/slide15.xml><?xml version="1.0" encoding="utf-8"?>
-<p:sld xmlns:a="http://schemas.openxmlformats.org/drawingml/2006/main" xmlns:p="http://schemas.openxmlformats.org/presentationml/2006/main" xmlns:r="http://schemas.openxmlformats.org/officeDocument/2006/relationships">
+<p:sld xmlns:a="http://schemas.openxmlformats.org/drawingml/2006/main" xmlns:r="http://schemas.openxmlformats.org/officeDocument/2006/relationships" xmlns:p="http://schemas.openxmlformats.org/presentationml/2006/main">
   <p:cSld>
     <p:spTree>
       <p:nvGrpSpPr>
@@ -4028,20 +3865,34 @@
         <p:cNvGrpSpPr/>
         <p:nvPr/>
       </p:nvGrpSpPr>
-      <p:grpSpPr/>
-      <p:sp>
-        <p:nvSpPr>
-          <p:cNvPr id="2" name="Title 1"/>
-          <p:cNvSpPr>
-            <a:spLocks noGrp="1"/>
-          </p:cNvSpPr>
-          <p:nvPr>
-            <p:ph type="title"/>
-          </p:nvPr>
-        </p:nvSpPr>
-        <p:spPr/>
-        <p:txBody>
-          <a:bodyPr/>
+      <p:grpSpPr>
+        <a:xfrm>
+          <a:off x="0" y="0"/>
+          <a:ext cx="0" cy="0"/>
+          <a:chOff x="0" y="0"/>
+          <a:chExt cx="0" cy="0"/>
+        </a:xfrm>
+      </p:grpSpPr>
+      <p:sp>
+        <p:nvSpPr>
+          <p:cNvPr id="2" name="TextBox 1"/>
+          <p:cNvSpPr txBox="1"/>
+          <p:nvPr/>
+        </p:nvSpPr>
+        <p:spPr>
+          <a:xfrm>
+            <a:off x="457200" y="274320"/>
+            <a:ext cx="8229600" cy="457200"/>
+          </a:xfrm>
+          <a:prstGeom prst="rect">
+            <a:avLst/>
+          </a:prstGeom>
+          <a:noFill/>
+        </p:spPr>
+        <p:txBody>
+          <a:bodyPr wrap="none">
+            <a:spAutoFit/>
+          </a:bodyPr>
           <a:lstStyle/>
           <a:p>
             <a:r>
@@ -4052,154 +3903,102 @@
       </p:sp>
       <p:sp>
         <p:nvSpPr>
-          <p:cNvPr id="3" name="Content Placeholder 2"/>
-          <p:cNvSpPr>
-            <a:spLocks noGrp="1"/>
-          </p:cNvSpPr>
-          <p:nvPr>
-            <p:ph idx="1"/>
-          </p:nvPr>
-        </p:nvSpPr>
-        <p:spPr/>
-        <p:txBody>
-          <a:bodyPr/>
-          <a:lstStyle/>
-          <a:p>
-            <a:r>
-              <a:t>// Illustrates both threads and processes</a:t>
-            </a:r>
-          </a:p>
-          <a:p>
-            <a:r>
-              <a:t>package main</a:t>
-            </a:r>
-          </a:p>
-          <a:p/>
-          <a:p>
-            <a:r>
-              <a:t>import (</a:t>
-            </a:r>
-          </a:p>
-          <a:p>
-            <a:r>
-              <a:t>	"fmt"</a:t>
-            </a:r>
-          </a:p>
-          <a:p>
-            <a:r>
-              <a:t>	"os/exec"</a:t>
-            </a:r>
-          </a:p>
-          <a:p>
-            <a:r>
-              <a:t>	"runtime"</a:t>
-            </a:r>
-          </a:p>
-          <a:p>
-            <a:r>
-              <a:t>	"sync"</a:t>
-            </a:r>
-          </a:p>
-          <a:p>
-            <a:r>
-              <a:t>	"time"</a:t>
-            </a:r>
-          </a:p>
-          <a:p>
-            <a:r>
-              <a:t>)</a:t>
-            </a:r>
-          </a:p>
-          <a:p/>
-          <a:p>
-            <a:r>
-              <a:t>func runGoroutine(id int, wg *sync.WaitGroup) {</a:t>
-            </a:r>
-          </a:p>
-          <a:p>
-            <a:r>
-              <a:t>	defer wg.Done()</a:t>
-            </a:r>
-          </a:p>
-          <a:p>
-            <a:r>
-              <a:t>	start := time.Now()</a:t>
-            </a:r>
-          </a:p>
-          <a:p>
-            <a:r>
-              <a:t>	total := 0</a:t>
-            </a:r>
-          </a:p>
-          <a:p>
-            <a:r>
-              <a:t>	for i := 0; i &lt; 10000000; i++ {</a:t>
-            </a:r>
-          </a:p>
-          <a:p>
-            <a:r>
-              <a:t>		total += i * i</a:t>
-            </a:r>
-          </a:p>
-          <a:p>
-            <a:r>
-              <a:t>	}</a:t>
-            </a:r>
-          </a:p>
-          <a:p>
-            <a:r>
-              <a:t>	fmt.Printf("Goroutine %d finished in %.4f seconds\n", id, time.Since(start).Seconds())</a:t>
-            </a:r>
-          </a:p>
-          <a:p>
-            <a:r>
-              <a:t>}</a:t>
-            </a:r>
-          </a:p>
-          <a:p/>
-          <a:p>
-            <a:r>
-              <a:t>func runProcess(id int, wg *sync.WaitGroup) {</a:t>
-            </a:r>
-          </a:p>
-          <a:p>
-            <a:r>
-              <a:t>	defer wg.Done()</a:t>
-            </a:r>
-          </a:p>
-          <a:p>
-            <a:r>
-              <a:t>	cmd := exec.Command("./worker", fmt.Sprintf("%d", id))</a:t>
-            </a:r>
-          </a:p>
-          <a:p>
-            <a:r>
-              <a:t>	output, err := cmd.CombinedOutput()</a:t>
-            </a:r>
-          </a:p>
-          <a:p>
-            <a:r>
-              <a:t>	if err != nil {</a:t>
-            </a:r>
-          </a:p>
-          <a:p>
-            <a:r>
-              <a:t>		fmt.Printf("Process %d error: %v\n", id, err)</a:t>
-            </a:r>
-          </a:p>
-          <a:p>
-            <a:r>
-              <a:t>	}</a:t>
-            </a:r>
-          </a:p>
-          <a:p>
-            <a:r>
-              <a:t>	fmt.Printf("%s", output)</a:t>
-            </a:r>
-          </a:p>
-          <a:p>
-            <a:r>
-              <a:t>}</a:t>
+          <p:cNvPr id="3" name="TextBox 2"/>
+          <p:cNvSpPr txBox="1"/>
+          <p:nvPr/>
+        </p:nvSpPr>
+        <p:spPr>
+          <a:xfrm>
+            <a:off x="457200" y="914400"/>
+            <a:ext cx="4114800" cy="4572000"/>
+          </a:xfrm>
+          <a:prstGeom prst="rect">
+            <a:avLst/>
+          </a:prstGeom>
+          <a:noFill/>
+        </p:spPr>
+        <p:txBody>
+          <a:bodyPr wrap="square">
+            <a:spAutoFit/>
+          </a:bodyPr>
+          <a:lstStyle/>
+          <a:p>
+            <a:r>
+              <a:rPr sz="1000"/>
+              <a:t>// Illustrates both threads and processes
+package main
+import (
+	"fmt"
+	"os/exec"
+	"runtime"
+	"sync"
+	"time"
+)
+func runGoroutine(id int, wg *sync.WaitGroup) {
+	defer wg.Done()
+	start := time.Now()
+	total := 0
+	for i := 0; i &lt; 10000000; i++ {
+		total += i * i
+	}
+	fmt.Printf("Goroutine %d finished in %.4f seconds\n", id, time.Since(start).Seconds())
+}
+func runProcess(id int, wg *sync.WaitGroup) {
+	defer wg.Done()
+	cmd := exec.Command("./worker", fmt.Sprintf("%d", id))
+	output, err := cmd.CombinedOutput()
+</a:t>
+            </a:r>
+          </a:p>
+        </p:txBody>
+      </p:sp>
+      <p:sp>
+        <p:nvSpPr>
+          <p:cNvPr id="4" name="TextBox 3"/>
+          <p:cNvSpPr txBox="1"/>
+          <p:nvPr/>
+        </p:nvSpPr>
+        <p:spPr>
+          <a:xfrm>
+            <a:off x="4572000" y="914400"/>
+            <a:ext cx="4114800" cy="4572000"/>
+          </a:xfrm>
+          <a:prstGeom prst="rect">
+            <a:avLst/>
+          </a:prstGeom>
+          <a:noFill/>
+        </p:spPr>
+        <p:txBody>
+          <a:bodyPr wrap="square">
+            <a:spAutoFit/>
+          </a:bodyPr>
+          <a:lstStyle/>
+          <a:p>
+            <a:r>
+              <a:rPr sz="1000"/>
+              <a:t>	if err != nil {
+		fmt.Printf("Process %d error: %v\n", id, err)
+	}
+	fmt.Printf("%s", output)
+}
+func main() {
+	runtime.GOMAXPROCS(runtime.NumCPU())
+	numTasks := 4
+	fmt.Println("=== Running Multithreading with Goroutines ===")
+	var wg1 sync.WaitGroup
+	wg1.Add(numTasks)
+	for i := 0; i &lt; numTasks; i++ {
+		go runGoroutine(i, &amp;wg1)
+	}
+	wg1.Wait()
+	fmt.Println("\n=== Running Multiprocessing with Subprocesses ===")
+	var wg2 sync.WaitGroup
+	wg2.Add(numTasks)
+	for i := 0; i &lt; numTasks; i++ {
+		go runProcess(i, &amp;wg2)
+	}
+	wg2.Wait()
+</a:t>
             </a:r>
           </a:p>
         </p:txBody>
@@ -4213,7 +4012,7 @@
 </file>
 
 <file path=ppt/slides/slide16.xml><?xml version="1.0" encoding="utf-8"?>
-<p:sld xmlns:a="http://schemas.openxmlformats.org/drawingml/2006/main" xmlns:p="http://schemas.openxmlformats.org/presentationml/2006/main" xmlns:r="http://schemas.openxmlformats.org/officeDocument/2006/relationships">
+<p:sld xmlns:a="http://schemas.openxmlformats.org/drawingml/2006/main" xmlns:r="http://schemas.openxmlformats.org/officeDocument/2006/relationships" xmlns:p="http://schemas.openxmlformats.org/presentationml/2006/main">
   <p:cSld>
     <p:spTree>
       <p:nvGrpSpPr>
@@ -4221,20 +4020,34 @@
         <p:cNvGrpSpPr/>
         <p:nvPr/>
       </p:nvGrpSpPr>
-      <p:grpSpPr/>
-      <p:sp>
-        <p:nvSpPr>
-          <p:cNvPr id="2" name="Title 1"/>
-          <p:cNvSpPr>
-            <a:spLocks noGrp="1"/>
-          </p:cNvSpPr>
-          <p:nvPr>
-            <p:ph type="title"/>
-          </p:nvPr>
-        </p:nvSpPr>
-        <p:spPr/>
-        <p:txBody>
-          <a:bodyPr/>
+      <p:grpSpPr>
+        <a:xfrm>
+          <a:off x="0" y="0"/>
+          <a:ext cx="0" cy="0"/>
+          <a:chOff x="0" y="0"/>
+          <a:chExt cx="0" cy="0"/>
+        </a:xfrm>
+      </p:grpSpPr>
+      <p:sp>
+        <p:nvSpPr>
+          <p:cNvPr id="2" name="TextBox 1"/>
+          <p:cNvSpPr txBox="1"/>
+          <p:nvPr/>
+        </p:nvSpPr>
+        <p:spPr>
+          <a:xfrm>
+            <a:off x="457200" y="274320"/>
+            <a:ext cx="8229600" cy="457200"/>
+          </a:xfrm>
+          <a:prstGeom prst="rect">
+            <a:avLst/>
+          </a:prstGeom>
+          <a:noFill/>
+        </p:spPr>
+        <p:txBody>
+          <a:bodyPr wrap="none">
+            <a:spAutoFit/>
+          </a:bodyPr>
           <a:lstStyle/>
           <a:p>
             <a:r>
@@ -4245,142 +4058,99 @@
       </p:sp>
       <p:sp>
         <p:nvSpPr>
-          <p:cNvPr id="3" name="Content Placeholder 2"/>
-          <p:cNvSpPr>
-            <a:spLocks noGrp="1"/>
-          </p:cNvSpPr>
-          <p:nvPr>
-            <p:ph idx="1"/>
-          </p:nvPr>
-        </p:nvSpPr>
-        <p:spPr/>
-        <p:txBody>
-          <a:bodyPr/>
-          <a:lstStyle/>
-          <a:p>
-            <a:r>
-              <a:t>//double demo</a:t>
-            </a:r>
-          </a:p>
-          <a:p/>
-          <a:p>
-            <a:r>
-              <a:t>// Install Libs:</a:t>
-            </a:r>
-          </a:p>
-          <a:p/>
-          <a:p>
-            <a:r>
-              <a:t>//go mod tidy</a:t>
-            </a:r>
-          </a:p>
-          <a:p>
-            <a:r>
-              <a:t>// go mod init runtimeviz</a:t>
-            </a:r>
-          </a:p>
-          <a:p>
-            <a:r>
-              <a:t>//go get gonum.org/v1/plot/...</a:t>
-            </a:r>
-          </a:p>
-          <a:p/>
-          <a:p>
-            <a:r>
-              <a:t>package main</a:t>
-            </a:r>
-          </a:p>
-          <a:p/>
-          <a:p>
-            <a:r>
-              <a:t>import (</a:t>
-            </a:r>
-          </a:p>
-          <a:p>
-            <a:r>
-              <a:t>	"fmt"</a:t>
-            </a:r>
-          </a:p>
-          <a:p>
-            <a:r>
-              <a:t>	"os/exec"</a:t>
-            </a:r>
-          </a:p>
-          <a:p>
-            <a:r>
-              <a:t>	"runtime"</a:t>
-            </a:r>
-          </a:p>
-          <a:p>
-            <a:r>
-              <a:t>	"sync"</a:t>
-            </a:r>
-          </a:p>
-          <a:p>
-            <a:r>
-              <a:t>	"time"</a:t>
-            </a:r>
-          </a:p>
-          <a:p/>
-          <a:p>
-            <a:r>
-              <a:t>	"gonum.org/v1/plot"</a:t>
-            </a:r>
-          </a:p>
-          <a:p>
-            <a:r>
-              <a:t>	"gonum.org/v1/plot/plotter"</a:t>
-            </a:r>
-          </a:p>
-          <a:p>
-            <a:r>
-              <a:t>	"gonum.org/v1/plot/plotutil"</a:t>
-            </a:r>
-          </a:p>
-          <a:p>
-            <a:r>
-              <a:t>	"gonum.org/v1/plot/vg"</a:t>
-            </a:r>
-          </a:p>
-          <a:p>
-            <a:r>
-              <a:t>)</a:t>
-            </a:r>
-          </a:p>
-          <a:p/>
-          <a:p>
-            <a:r>
-              <a:t>func cpuHeavy() float64 {</a:t>
-            </a:r>
-          </a:p>
-          <a:p>
-            <a:r>
-              <a:t>	start := time.Now()</a:t>
-            </a:r>
-          </a:p>
-          <a:p>
-            <a:r>
-              <a:t>	total := 0</a:t>
-            </a:r>
-          </a:p>
-          <a:p>
-            <a:r>
-              <a:t>	for i := 0; i &lt; 10000000; i++ {</a:t>
-            </a:r>
-          </a:p>
-          <a:p>
-            <a:r>
-              <a:t>		total += i * i</a:t>
-            </a:r>
-          </a:p>
-          <a:p>
-            <a:r>
-              <a:t>	}</a:t>
-            </a:r>
-          </a:p>
-          <a:p>
-            <a:r>
-              <a:t>	return time.Since(start).Seconds()</a:t>
+          <p:cNvPr id="3" name="TextBox 2"/>
+          <p:cNvSpPr txBox="1"/>
+          <p:nvPr/>
+        </p:nvSpPr>
+        <p:spPr>
+          <a:xfrm>
+            <a:off x="457200" y="914400"/>
+            <a:ext cx="4114800" cy="4572000"/>
+          </a:xfrm>
+          <a:prstGeom prst="rect">
+            <a:avLst/>
+          </a:prstGeom>
+          <a:noFill/>
+        </p:spPr>
+        <p:txBody>
+          <a:bodyPr wrap="square">
+            <a:spAutoFit/>
+          </a:bodyPr>
+          <a:lstStyle/>
+          <a:p>
+            <a:r>
+              <a:rPr sz="1000"/>
+              <a:t>//double demo
+// Install Libs:
+//go mod tidy
+// go mod init runtimeviz
+//go get gonum.org/v1/plot/...
+package main
+import (
+	"fmt"
+	"os/exec"
+	"runtime"
+	"sync"
+	"time"
+	"gonum.org/v1/plot"
+	"gonum.org/v1/plot/plotter"
+	"gonum.org/v1/plot/plotutil"
+	"gonum.org/v1/plot/vg"
+)
+func cpuHeavy() float64 {
+	start := time.Now()
+</a:t>
+            </a:r>
+          </a:p>
+        </p:txBody>
+      </p:sp>
+      <p:sp>
+        <p:nvSpPr>
+          <p:cNvPr id="4" name="TextBox 3"/>
+          <p:cNvSpPr txBox="1"/>
+          <p:nvPr/>
+        </p:nvSpPr>
+        <p:spPr>
+          <a:xfrm>
+            <a:off x="4572000" y="914400"/>
+            <a:ext cx="4114800" cy="4572000"/>
+          </a:xfrm>
+          <a:prstGeom prst="rect">
+            <a:avLst/>
+          </a:prstGeom>
+          <a:noFill/>
+        </p:spPr>
+        <p:txBody>
+          <a:bodyPr wrap="square">
+            <a:spAutoFit/>
+          </a:bodyPr>
+          <a:lstStyle/>
+          <a:p>
+            <a:r>
+              <a:rPr sz="1000"/>
+              <a:t>	total := 0
+	for i := 0; i &lt; 10000000; i++ {
+		total += i * i
+	}
+	return time.Since(start).Seconds()
+}
+func runGoroutines(n int) []float64 {
+	var wg sync.WaitGroup
+	times := make([]float64, n)
+	wg.Add(n)
+	for i := 0; i &lt; n; i++ {
+		go func(idx int) {
+			defer wg.Done()
+			times[idx] = cpuHeavy()
+		}(i)
+	}
+	wg.Wait()
+	return times
+}
+func runProcesses(n int) []float64 {
+	var wg sync.WaitGroup
+	times := make([]float64, n)
+</a:t>
             </a:r>
           </a:p>
         </p:txBody>
@@ -4394,7 +4164,7 @@
 </file>
 
 <file path=ppt/slides/slide2.xml><?xml version="1.0" encoding="utf-8"?>
-<p:sld xmlns:a="http://schemas.openxmlformats.org/drawingml/2006/main" xmlns:p="http://schemas.openxmlformats.org/presentationml/2006/main" xmlns:r="http://schemas.openxmlformats.org/officeDocument/2006/relationships">
+<p:sld xmlns:a="http://schemas.openxmlformats.org/drawingml/2006/main" xmlns:r="http://schemas.openxmlformats.org/officeDocument/2006/relationships" xmlns:p="http://schemas.openxmlformats.org/presentationml/2006/main">
   <p:cSld>
     <p:spTree>
       <p:nvGrpSpPr>
@@ -4402,7 +4172,14 @@
         <p:cNvGrpSpPr/>
         <p:nvPr/>
       </p:nvGrpSpPr>
-      <p:grpSpPr/>
+      <p:grpSpPr>
+        <a:xfrm>
+          <a:off x="0" y="0"/>
+          <a:ext cx="0" cy="0"/>
+          <a:chOff x="0" y="0"/>
+          <a:chExt cx="0" cy="0"/>
+        </a:xfrm>
+      </p:grpSpPr>
       <p:sp>
         <p:nvSpPr>
           <p:cNvPr id="2" name="Title 1"/>
@@ -4454,7 +4231,7 @@
 </file>
 
 <file path=ppt/slides/slide3.xml><?xml version="1.0" encoding="utf-8"?>
-<p:sld xmlns:a="http://schemas.openxmlformats.org/drawingml/2006/main" xmlns:p="http://schemas.openxmlformats.org/presentationml/2006/main" xmlns:r="http://schemas.openxmlformats.org/officeDocument/2006/relationships">
+<p:sld xmlns:a="http://schemas.openxmlformats.org/drawingml/2006/main" xmlns:r="http://schemas.openxmlformats.org/officeDocument/2006/relationships" xmlns:p="http://schemas.openxmlformats.org/presentationml/2006/main">
   <p:cSld>
     <p:spTree>
       <p:nvGrpSpPr>
@@ -4462,7 +4239,14 @@
         <p:cNvGrpSpPr/>
         <p:nvPr/>
       </p:nvGrpSpPr>
-      <p:grpSpPr/>
+      <p:grpSpPr>
+        <a:xfrm>
+          <a:off x="0" y="0"/>
+          <a:ext cx="0" cy="0"/>
+          <a:chOff x="0" y="0"/>
+          <a:chExt cx="0" cy="0"/>
+        </a:xfrm>
+      </p:grpSpPr>
       <p:sp>
         <p:nvSpPr>
           <p:cNvPr id="2" name="Title 1"/>
@@ -4514,7 +4298,7 @@
 </file>
 
 <file path=ppt/slides/slide4.xml><?xml version="1.0" encoding="utf-8"?>
-<p:sld xmlns:a="http://schemas.openxmlformats.org/drawingml/2006/main" xmlns:p="http://schemas.openxmlformats.org/presentationml/2006/main" xmlns:r="http://schemas.openxmlformats.org/officeDocument/2006/relationships">
+<p:sld xmlns:a="http://schemas.openxmlformats.org/drawingml/2006/main" xmlns:r="http://schemas.openxmlformats.org/officeDocument/2006/relationships" xmlns:p="http://schemas.openxmlformats.org/presentationml/2006/main">
   <p:cSld>
     <p:spTree>
       <p:nvGrpSpPr>
@@ -4522,7 +4306,14 @@
         <p:cNvGrpSpPr/>
         <p:nvPr/>
       </p:nvGrpSpPr>
-      <p:grpSpPr/>
+      <p:grpSpPr>
+        <a:xfrm>
+          <a:off x="0" y="0"/>
+          <a:ext cx="0" cy="0"/>
+          <a:chOff x="0" y="0"/>
+          <a:chExt cx="0" cy="0"/>
+        </a:xfrm>
+      </p:grpSpPr>
       <p:sp>
         <p:nvSpPr>
           <p:cNvPr id="2" name="Title 1"/>
@@ -4574,7 +4365,7 @@
 </file>
 
 <file path=ppt/slides/slide5.xml><?xml version="1.0" encoding="utf-8"?>
-<p:sld xmlns:a="http://schemas.openxmlformats.org/drawingml/2006/main" xmlns:p="http://schemas.openxmlformats.org/presentationml/2006/main" xmlns:r="http://schemas.openxmlformats.org/officeDocument/2006/relationships">
+<p:sld xmlns:a="http://schemas.openxmlformats.org/drawingml/2006/main" xmlns:r="http://schemas.openxmlformats.org/officeDocument/2006/relationships" xmlns:p="http://schemas.openxmlformats.org/presentationml/2006/main">
   <p:cSld>
     <p:spTree>
       <p:nvGrpSpPr>
@@ -4582,7 +4373,14 @@
         <p:cNvGrpSpPr/>
         <p:nvPr/>
       </p:nvGrpSpPr>
-      <p:grpSpPr/>
+      <p:grpSpPr>
+        <a:xfrm>
+          <a:off x="0" y="0"/>
+          <a:ext cx="0" cy="0"/>
+          <a:chOff x="0" y="0"/>
+          <a:chExt cx="0" cy="0"/>
+        </a:xfrm>
+      </p:grpSpPr>
       <p:sp>
         <p:nvSpPr>
           <p:cNvPr id="2" name="Title 1"/>
@@ -4634,7 +4432,7 @@
 </file>
 
 <file path=ppt/slides/slide6.xml><?xml version="1.0" encoding="utf-8"?>
-<p:sld xmlns:a="http://schemas.openxmlformats.org/drawingml/2006/main" xmlns:p="http://schemas.openxmlformats.org/presentationml/2006/main" xmlns:r="http://schemas.openxmlformats.org/officeDocument/2006/relationships">
+<p:sld xmlns:a="http://schemas.openxmlformats.org/drawingml/2006/main" xmlns:r="http://schemas.openxmlformats.org/officeDocument/2006/relationships" xmlns:p="http://schemas.openxmlformats.org/presentationml/2006/main">
   <p:cSld>
     <p:spTree>
       <p:nvGrpSpPr>
@@ -4642,7 +4440,14 @@
         <p:cNvGrpSpPr/>
         <p:nvPr/>
       </p:nvGrpSpPr>
-      <p:grpSpPr/>
+      <p:grpSpPr>
+        <a:xfrm>
+          <a:off x="0" y="0"/>
+          <a:ext cx="0" cy="0"/>
+          <a:chOff x="0" y="0"/>
+          <a:chExt cx="0" cy="0"/>
+        </a:xfrm>
+      </p:grpSpPr>
       <p:sp>
         <p:nvSpPr>
           <p:cNvPr id="2" name="Title 1"/>
@@ -4694,7 +4499,7 @@
 </file>
 
 <file path=ppt/slides/slide7.xml><?xml version="1.0" encoding="utf-8"?>
-<p:sld xmlns:a="http://schemas.openxmlformats.org/drawingml/2006/main" xmlns:p="http://schemas.openxmlformats.org/presentationml/2006/main" xmlns:r="http://schemas.openxmlformats.org/officeDocument/2006/relationships">
+<p:sld xmlns:a="http://schemas.openxmlformats.org/drawingml/2006/main" xmlns:r="http://schemas.openxmlformats.org/officeDocument/2006/relationships" xmlns:p="http://schemas.openxmlformats.org/presentationml/2006/main">
   <p:cSld>
     <p:spTree>
       <p:nvGrpSpPr>
@@ -4702,7 +4507,14 @@
         <p:cNvGrpSpPr/>
         <p:nvPr/>
       </p:nvGrpSpPr>
-      <p:grpSpPr/>
+      <p:grpSpPr>
+        <a:xfrm>
+          <a:off x="0" y="0"/>
+          <a:ext cx="0" cy="0"/>
+          <a:chOff x="0" y="0"/>
+          <a:chExt cx="0" cy="0"/>
+        </a:xfrm>
+      </p:grpSpPr>
       <p:sp>
         <p:nvSpPr>
           <p:cNvPr id="2" name="Title 1"/>
@@ -4754,7 +4566,7 @@
 </file>
 
 <file path=ppt/slides/slide8.xml><?xml version="1.0" encoding="utf-8"?>
-<p:sld xmlns:a="http://schemas.openxmlformats.org/drawingml/2006/main" xmlns:p="http://schemas.openxmlformats.org/presentationml/2006/main" xmlns:r="http://schemas.openxmlformats.org/officeDocument/2006/relationships">
+<p:sld xmlns:a="http://schemas.openxmlformats.org/drawingml/2006/main" xmlns:r="http://schemas.openxmlformats.org/officeDocument/2006/relationships" xmlns:p="http://schemas.openxmlformats.org/presentationml/2006/main">
   <p:cSld>
     <p:spTree>
       <p:nvGrpSpPr>
@@ -4762,20 +4574,34 @@
         <p:cNvGrpSpPr/>
         <p:nvPr/>
       </p:nvGrpSpPr>
-      <p:grpSpPr/>
-      <p:sp>
-        <p:nvSpPr>
-          <p:cNvPr id="2" name="Title 1"/>
-          <p:cNvSpPr>
-            <a:spLocks noGrp="1"/>
-          </p:cNvSpPr>
-          <p:nvPr>
-            <p:ph type="title"/>
-          </p:nvPr>
-        </p:nvSpPr>
-        <p:spPr/>
-        <p:txBody>
-          <a:bodyPr/>
+      <p:grpSpPr>
+        <a:xfrm>
+          <a:off x="0" y="0"/>
+          <a:ext cx="0" cy="0"/>
+          <a:chOff x="0" y="0"/>
+          <a:chExt cx="0" cy="0"/>
+        </a:xfrm>
+      </p:grpSpPr>
+      <p:sp>
+        <p:nvSpPr>
+          <p:cNvPr id="2" name="TextBox 1"/>
+          <p:cNvSpPr txBox="1"/>
+          <p:nvPr/>
+        </p:nvSpPr>
+        <p:spPr>
+          <a:xfrm>
+            <a:off x="457200" y="274320"/>
+            <a:ext cx="8229600" cy="457200"/>
+          </a:xfrm>
+          <a:prstGeom prst="rect">
+            <a:avLst/>
+          </a:prstGeom>
+          <a:noFill/>
+        </p:spPr>
+        <p:txBody>
+          <a:bodyPr wrap="none">
+            <a:spAutoFit/>
+          </a:bodyPr>
           <a:lstStyle/>
           <a:p>
             <a:r>
@@ -4786,75 +4612,68 @@
       </p:sp>
       <p:sp>
         <p:nvSpPr>
-          <p:cNvPr id="3" name="Content Placeholder 2"/>
-          <p:cNvSpPr>
-            <a:spLocks noGrp="1"/>
-          </p:cNvSpPr>
-          <p:nvPr>
-            <p:ph idx="1"/>
-          </p:nvPr>
-        </p:nvSpPr>
-        <p:spPr/>
-        <p:txBody>
-          <a:bodyPr/>
-          <a:lstStyle/>
-          <a:p>
-            <a:r>
-              <a:t>import time</a:t>
-            </a:r>
-          </a:p>
-          <a:p/>
-          <a:p>
-            <a:r>
-              <a:t>def task(name):</a:t>
-            </a:r>
-          </a:p>
-          <a:p>
-            <a:r>
-              <a:t>    print(f"Starting task {name}")</a:t>
-            </a:r>
-          </a:p>
-          <a:p>
-            <a:r>
-              <a:t>    time.sleep(2)</a:t>
-            </a:r>
-          </a:p>
-          <a:p>
-            <a:r>
-              <a:t>    print(f"Task {name} completed")</a:t>
-            </a:r>
-          </a:p>
-          <a:p/>
-          <a:p>
-            <a:r>
-              <a:t>if __name__ == "__main__":</a:t>
-            </a:r>
-          </a:p>
-          <a:p>
-            <a:r>
-              <a:t>    start = time.time()</a:t>
-            </a:r>
-          </a:p>
-          <a:p/>
-          <a:p>
-            <a:r>
-              <a:t>    task("A")</a:t>
-            </a:r>
-          </a:p>
-          <a:p>
-            <a:r>
-              <a:t>    task("B")</a:t>
-            </a:r>
-          </a:p>
-          <a:p/>
-          <a:p>
-            <a:r>
-              <a:t>    end = time.time()</a:t>
-            </a:r>
-          </a:p>
-          <a:p>
-            <a:r>
-              <a:t>    print(f"Total time: {end - start:.2f} seconds")</a:t>
+          <p:cNvPr id="3" name="TextBox 2"/>
+          <p:cNvSpPr txBox="1"/>
+          <p:nvPr/>
+        </p:nvSpPr>
+        <p:spPr>
+          <a:xfrm>
+            <a:off x="457200" y="914400"/>
+            <a:ext cx="4114800" cy="4572000"/>
+          </a:xfrm>
+          <a:prstGeom prst="rect">
+            <a:avLst/>
+          </a:prstGeom>
+          <a:noFill/>
+        </p:spPr>
+        <p:txBody>
+          <a:bodyPr wrap="square">
+            <a:spAutoFit/>
+          </a:bodyPr>
+          <a:lstStyle/>
+          <a:p>
+            <a:r>
+              <a:rPr sz="1000"/>
+              <a:t>import time
+def task(name):
+    print(f"Starting task {name}")
+    time.sleep(2)
+    print(f"Task {name} completed")
+</a:t>
+            </a:r>
+          </a:p>
+        </p:txBody>
+      </p:sp>
+      <p:sp>
+        <p:nvSpPr>
+          <p:cNvPr id="4" name="TextBox 3"/>
+          <p:cNvSpPr txBox="1"/>
+          <p:nvPr/>
+        </p:nvSpPr>
+        <p:spPr>
+          <a:xfrm>
+            <a:off x="4572000" y="914400"/>
+            <a:ext cx="4114800" cy="4572000"/>
+          </a:xfrm>
+          <a:prstGeom prst="rect">
+            <a:avLst/>
+          </a:prstGeom>
+          <a:noFill/>
+        </p:spPr>
+        <p:txBody>
+          <a:bodyPr wrap="square">
+            <a:spAutoFit/>
+          </a:bodyPr>
+          <a:lstStyle/>
+          <a:p>
+            <a:r>
+              <a:rPr sz="1000"/>
+              <a:t>if __name__ == "__main__":
+    start = time.time()
+    task("A")
+    task("B")
+    end = time.time()
+    print(f"Total time: {end - start:.2f} seconds")</a:t>
             </a:r>
           </a:p>
         </p:txBody>
@@ -4868,7 +4687,7 @@
 </file>
 
 <file path=ppt/slides/slide9.xml><?xml version="1.0" encoding="utf-8"?>
-<p:sld xmlns:a="http://schemas.openxmlformats.org/drawingml/2006/main" xmlns:p="http://schemas.openxmlformats.org/presentationml/2006/main" xmlns:r="http://schemas.openxmlformats.org/officeDocument/2006/relationships">
+<p:sld xmlns:a="http://schemas.openxmlformats.org/drawingml/2006/main" xmlns:r="http://schemas.openxmlformats.org/officeDocument/2006/relationships" xmlns:p="http://schemas.openxmlformats.org/presentationml/2006/main">
   <p:cSld>
     <p:spTree>
       <p:nvGrpSpPr>
@@ -4876,20 +4695,34 @@
         <p:cNvGrpSpPr/>
         <p:nvPr/>
       </p:nvGrpSpPr>
-      <p:grpSpPr/>
-      <p:sp>
-        <p:nvSpPr>
-          <p:cNvPr id="2" name="Title 1"/>
-          <p:cNvSpPr>
-            <a:spLocks noGrp="1"/>
-          </p:cNvSpPr>
-          <p:nvPr>
-            <p:ph type="title"/>
-          </p:nvPr>
-        </p:nvSpPr>
-        <p:spPr/>
-        <p:txBody>
-          <a:bodyPr/>
+      <p:grpSpPr>
+        <a:xfrm>
+          <a:off x="0" y="0"/>
+          <a:ext cx="0" cy="0"/>
+          <a:chOff x="0" y="0"/>
+          <a:chExt cx="0" cy="0"/>
+        </a:xfrm>
+      </p:grpSpPr>
+      <p:sp>
+        <p:nvSpPr>
+          <p:cNvPr id="2" name="TextBox 1"/>
+          <p:cNvSpPr txBox="1"/>
+          <p:nvPr/>
+        </p:nvSpPr>
+        <p:spPr>
+          <a:xfrm>
+            <a:off x="457200" y="274320"/>
+            <a:ext cx="8229600" cy="457200"/>
+          </a:xfrm>
+          <a:prstGeom prst="rect">
+            <a:avLst/>
+          </a:prstGeom>
+          <a:noFill/>
+        </p:spPr>
+        <p:txBody>
+          <a:bodyPr wrap="none">
+            <a:spAutoFit/>
+          </a:bodyPr>
           <a:lstStyle/>
           <a:p>
             <a:r>
@@ -4900,102 +4733,73 @@
       </p:sp>
       <p:sp>
         <p:nvSpPr>
-          <p:cNvPr id="3" name="Content Placeholder 2"/>
-          <p:cNvSpPr>
-            <a:spLocks noGrp="1"/>
-          </p:cNvSpPr>
-          <p:nvPr>
-            <p:ph idx="1"/>
-          </p:nvPr>
-        </p:nvSpPr>
-        <p:spPr/>
-        <p:txBody>
-          <a:bodyPr/>
-          <a:lstStyle/>
-          <a:p>
-            <a:r>
-              <a:t>import threading</a:t>
-            </a:r>
-          </a:p>
-          <a:p>
-            <a:r>
-              <a:t>import time</a:t>
-            </a:r>
-          </a:p>
-          <a:p/>
-          <a:p>
-            <a:r>
-              <a:t>def task(name):</a:t>
-            </a:r>
-          </a:p>
-          <a:p>
-            <a:r>
-              <a:t>    print(f"Starting task {name}")</a:t>
-            </a:r>
-          </a:p>
-          <a:p>
-            <a:r>
-              <a:t>    time.sleep(2)</a:t>
-            </a:r>
-          </a:p>
-          <a:p>
-            <a:r>
-              <a:t>    print(f"Task {name} completed")</a:t>
-            </a:r>
-          </a:p>
-          <a:p/>
-          <a:p>
-            <a:r>
-              <a:t>if __name__ == "__main__":</a:t>
-            </a:r>
-          </a:p>
-          <a:p>
-            <a:r>
-              <a:t>    start = time.time()</a:t>
-            </a:r>
-          </a:p>
-          <a:p/>
-          <a:p>
-            <a:r>
-              <a:t>    t1 = threading.Thread(target=task, args=("A",))</a:t>
-            </a:r>
-          </a:p>
-          <a:p>
-            <a:r>
-              <a:t>    t2 = threading.Thread(target=task, args=("B",))</a:t>
-            </a:r>
-          </a:p>
-          <a:p/>
-          <a:p>
-            <a:r>
-              <a:t>    t1.start()</a:t>
-            </a:r>
-          </a:p>
-          <a:p>
-            <a:r>
-              <a:t>    t2.start()</a:t>
-            </a:r>
-          </a:p>
-          <a:p/>
-          <a:p>
-            <a:r>
-              <a:t>    t1.join()</a:t>
-            </a:r>
-          </a:p>
-          <a:p>
-            <a:r>
-              <a:t>    t2.join()</a:t>
-            </a:r>
-          </a:p>
-          <a:p/>
-          <a:p>
-            <a:r>
-              <a:t>    end = time.time()</a:t>
-            </a:r>
-          </a:p>
-          <a:p>
-            <a:r>
-              <a:t>    print(f"Total time: {end - start:.2f} seconds")</a:t>
+          <p:cNvPr id="3" name="TextBox 2"/>
+          <p:cNvSpPr txBox="1"/>
+          <p:nvPr/>
+        </p:nvSpPr>
+        <p:spPr>
+          <a:xfrm>
+            <a:off x="457200" y="914400"/>
+            <a:ext cx="4114800" cy="4572000"/>
+          </a:xfrm>
+          <a:prstGeom prst="rect">
+            <a:avLst/>
+          </a:prstGeom>
+          <a:noFill/>
+        </p:spPr>
+        <p:txBody>
+          <a:bodyPr wrap="square">
+            <a:spAutoFit/>
+          </a:bodyPr>
+          <a:lstStyle/>
+          <a:p>
+            <a:r>
+              <a:rPr sz="1000"/>
+              <a:t>import threading
+import time
+def task(name):
+    print(f"Starting task {name}")
+    time.sleep(2)
+    print(f"Task {name} completed")
+if __name__ == "__main__":
+    start = time.time()
+</a:t>
+            </a:r>
+          </a:p>
+        </p:txBody>
+      </p:sp>
+      <p:sp>
+        <p:nvSpPr>
+          <p:cNvPr id="4" name="TextBox 3"/>
+          <p:cNvSpPr txBox="1"/>
+          <p:nvPr/>
+        </p:nvSpPr>
+        <p:spPr>
+          <a:xfrm>
+            <a:off x="4572000" y="914400"/>
+            <a:ext cx="4114800" cy="4572000"/>
+          </a:xfrm>
+          <a:prstGeom prst="rect">
+            <a:avLst/>
+          </a:prstGeom>
+          <a:noFill/>
+        </p:spPr>
+        <p:txBody>
+          <a:bodyPr wrap="square">
+            <a:spAutoFit/>
+          </a:bodyPr>
+          <a:lstStyle/>
+          <a:p>
+            <a:r>
+              <a:rPr sz="1000"/>
+              <a:t>    t1 = threading.Thread(target=task, args=("A",))
+    t2 = threading.Thread(target=task, args=("B",))
+    t1.start()
+    t2.start()
+    t1.join()
+    t2.join()
+    end = time.time()
+    print(f"Total time: {end - start:.2f} seconds")</a:t>
             </a:r>
           </a:p>
         </p:txBody>
